--- a/이날뭐입지_중간발표.pptx
+++ b/이날뭐입지_중간발표.pptx
@@ -9,20 +9,22 @@
     <p:sldId id="257" r:id="rId3"/>
     <p:sldId id="258" r:id="rId4"/>
     <p:sldId id="259" r:id="rId5"/>
-    <p:sldId id="260" r:id="rId6"/>
-    <p:sldId id="261" r:id="rId7"/>
+    <p:sldId id="263" r:id="rId6"/>
+    <p:sldId id="260" r:id="rId7"/>
+    <p:sldId id="262" r:id="rId8"/>
+    <p:sldId id="261" r:id="rId9"/>
   </p:sldIdLst>
   <p:sldSz cx="12192000" cy="6858000"/>
   <p:notesSz cx="6858000" cy="9144000"/>
   <p:embeddedFontLst>
     <p:embeddedFont>
       <p:font typeface="나눔스퀘어라운드 ExtraBold" panose="020B0600000101010101" pitchFamily="50" charset="-127"/>
-      <p:bold r:id="rId8"/>
+      <p:bold r:id="rId10"/>
     </p:embeddedFont>
     <p:embeddedFont>
       <p:font typeface="맑은 고딕" panose="020B0503020000020004" pitchFamily="50" charset="-127"/>
-      <p:regular r:id="rId9"/>
-      <p:bold r:id="rId10"/>
+      <p:regular r:id="rId11"/>
+      <p:bold r:id="rId12"/>
     </p:embeddedFont>
   </p:embeddedFontLst>
   <p:defaultTextStyle>
@@ -120,6 +122,11 @@
       </a:defRPr>
     </a:lvl9pPr>
   </p:defaultTextStyle>
+  <p:extLst>
+    <p:ext uri="{EFAFB233-063F-42B5-8137-9DF3F51BA10A}">
+      <p15:sldGuideLst xmlns:p15="http://schemas.microsoft.com/office/powerpoint/2012/main"/>
+    </p:ext>
+  </p:extLst>
 </p:presentation>
 </file>
 
@@ -270,7 +277,7 @@
           <a:p>
             <a:fld id="{52101CF3-A6EB-4ACC-8481-46FF6EE6E540}" type="datetimeFigureOut">
               <a:rPr lang="ko-KR" altLang="en-US" smtClean="0"/>
-              <a:t>2021-08-10</a:t>
+              <a:t>2021-08-12</a:t>
             </a:fld>
             <a:endParaRPr lang="ko-KR" altLang="en-US"/>
           </a:p>
@@ -468,7 +475,7 @@
           <a:p>
             <a:fld id="{52101CF3-A6EB-4ACC-8481-46FF6EE6E540}" type="datetimeFigureOut">
               <a:rPr lang="ko-KR" altLang="en-US" smtClean="0"/>
-              <a:t>2021-08-10</a:t>
+              <a:t>2021-08-12</a:t>
             </a:fld>
             <a:endParaRPr lang="ko-KR" altLang="en-US"/>
           </a:p>
@@ -676,7 +683,7 @@
           <a:p>
             <a:fld id="{52101CF3-A6EB-4ACC-8481-46FF6EE6E540}" type="datetimeFigureOut">
               <a:rPr lang="ko-KR" altLang="en-US" smtClean="0"/>
-              <a:t>2021-08-10</a:t>
+              <a:t>2021-08-12</a:t>
             </a:fld>
             <a:endParaRPr lang="ko-KR" altLang="en-US"/>
           </a:p>
@@ -874,7 +881,7 @@
           <a:p>
             <a:fld id="{52101CF3-A6EB-4ACC-8481-46FF6EE6E540}" type="datetimeFigureOut">
               <a:rPr lang="ko-KR" altLang="en-US" smtClean="0"/>
-              <a:t>2021-08-10</a:t>
+              <a:t>2021-08-12</a:t>
             </a:fld>
             <a:endParaRPr lang="ko-KR" altLang="en-US"/>
           </a:p>
@@ -1149,7 +1156,7 @@
           <a:p>
             <a:fld id="{52101CF3-A6EB-4ACC-8481-46FF6EE6E540}" type="datetimeFigureOut">
               <a:rPr lang="ko-KR" altLang="en-US" smtClean="0"/>
-              <a:t>2021-08-10</a:t>
+              <a:t>2021-08-12</a:t>
             </a:fld>
             <a:endParaRPr lang="ko-KR" altLang="en-US"/>
           </a:p>
@@ -1414,7 +1421,7 @@
           <a:p>
             <a:fld id="{52101CF3-A6EB-4ACC-8481-46FF6EE6E540}" type="datetimeFigureOut">
               <a:rPr lang="ko-KR" altLang="en-US" smtClean="0"/>
-              <a:t>2021-08-10</a:t>
+              <a:t>2021-08-12</a:t>
             </a:fld>
             <a:endParaRPr lang="ko-KR" altLang="en-US"/>
           </a:p>
@@ -1826,7 +1833,7 @@
           <a:p>
             <a:fld id="{52101CF3-A6EB-4ACC-8481-46FF6EE6E540}" type="datetimeFigureOut">
               <a:rPr lang="ko-KR" altLang="en-US" smtClean="0"/>
-              <a:t>2021-08-10</a:t>
+              <a:t>2021-08-12</a:t>
             </a:fld>
             <a:endParaRPr lang="ko-KR" altLang="en-US"/>
           </a:p>
@@ -1967,7 +1974,7 @@
           <a:p>
             <a:fld id="{52101CF3-A6EB-4ACC-8481-46FF6EE6E540}" type="datetimeFigureOut">
               <a:rPr lang="ko-KR" altLang="en-US" smtClean="0"/>
-              <a:t>2021-08-10</a:t>
+              <a:t>2021-08-12</a:t>
             </a:fld>
             <a:endParaRPr lang="ko-KR" altLang="en-US"/>
           </a:p>
@@ -2080,7 +2087,7 @@
           <a:p>
             <a:fld id="{52101CF3-A6EB-4ACC-8481-46FF6EE6E540}" type="datetimeFigureOut">
               <a:rPr lang="ko-KR" altLang="en-US" smtClean="0"/>
-              <a:t>2021-08-10</a:t>
+              <a:t>2021-08-12</a:t>
             </a:fld>
             <a:endParaRPr lang="ko-KR" altLang="en-US"/>
           </a:p>
@@ -2391,7 +2398,7 @@
           <a:p>
             <a:fld id="{52101CF3-A6EB-4ACC-8481-46FF6EE6E540}" type="datetimeFigureOut">
               <a:rPr lang="ko-KR" altLang="en-US" smtClean="0"/>
-              <a:t>2021-08-10</a:t>
+              <a:t>2021-08-12</a:t>
             </a:fld>
             <a:endParaRPr lang="ko-KR" altLang="en-US"/>
           </a:p>
@@ -2679,7 +2686,7 @@
           <a:p>
             <a:fld id="{52101CF3-A6EB-4ACC-8481-46FF6EE6E540}" type="datetimeFigureOut">
               <a:rPr lang="ko-KR" altLang="en-US" smtClean="0"/>
-              <a:t>2021-08-10</a:t>
+              <a:t>2021-08-12</a:t>
             </a:fld>
             <a:endParaRPr lang="ko-KR" altLang="en-US"/>
           </a:p>
@@ -2923,7 +2930,7 @@
           <a:p>
             <a:fld id="{52101CF3-A6EB-4ACC-8481-46FF6EE6E540}" type="datetimeFigureOut">
               <a:rPr lang="ko-KR" altLang="en-US" smtClean="0"/>
-              <a:t>2021-08-10</a:t>
+              <a:t>2021-08-12</a:t>
             </a:fld>
             <a:endParaRPr lang="ko-KR" altLang="en-US"/>
           </a:p>
@@ -4175,7 +4182,7 @@
         <p:spPr>
           <a:xfrm>
             <a:off x="1440109" y="1770077"/>
-            <a:ext cx="8953851" cy="1891352"/>
+            <a:ext cx="8953851" cy="2630015"/>
           </a:xfrm>
           <a:prstGeom prst="rect">
             <a:avLst/>
@@ -4195,7 +4202,7 @@
             </a:pPr>
             <a:r>
               <a:rPr lang="en-US" altLang="ko-KR" sz="1600" dirty="0"/>
-              <a:t>J2kb 4</a:t>
+              <a:t>J2KB 4</a:t>
             </a:r>
             <a:r>
               <a:rPr lang="ko-KR" altLang="en-US" sz="1600" dirty="0" err="1"/>
@@ -4238,7 +4245,15 @@
               </a:lnSpc>
             </a:pPr>
             <a:r>
-              <a:rPr lang="en-US" altLang="ko-KR" sz="1600" dirty="0">
+              <a:rPr lang="ko-KR" altLang="en-US" sz="1600" dirty="0"/>
+              <a:t>가나</a:t>
+            </a:r>
+            <a:r>
+              <a:rPr lang="en-US" altLang="ko-KR" sz="1600" dirty="0"/>
+              <a:t>: </a:t>
+            </a:r>
+            <a:r>
+              <a:rPr lang="ko-KR" altLang="en-US" sz="1600" i="1" dirty="0">
                 <a:solidFill>
                   <a:schemeClr val="accent1">
                     <a:lumMod val="60000"/>
@@ -4246,10 +4261,10 @@
                   </a:schemeClr>
                 </a:solidFill>
               </a:rPr>
-              <a:t>(</a:t>
-            </a:r>
-            <a:r>
-              <a:rPr lang="ko-KR" altLang="en-US" sz="1600" dirty="0">
+              <a:t>프로젝트</a:t>
+            </a:r>
+            <a:r>
+              <a:rPr lang="en-US" altLang="ko-KR" sz="1600" i="1" dirty="0">
                 <a:solidFill>
                   <a:schemeClr val="accent1">
                     <a:lumMod val="60000"/>
@@ -4257,10 +4272,10 @@
                   </a:schemeClr>
                 </a:solidFill>
               </a:rPr>
-              <a:t>각자 </a:t>
-            </a:r>
-            <a:r>
-              <a:rPr lang="ko-KR" altLang="en-US" sz="1600" dirty="0" err="1">
+              <a:t>&amp;</a:t>
+            </a:r>
+            <a:r>
+              <a:rPr lang="ko-KR" altLang="en-US" sz="1600" i="1" dirty="0">
                 <a:solidFill>
                   <a:schemeClr val="accent1">
                     <a:lumMod val="60000"/>
@@ -4268,10 +4283,10 @@
                   </a:schemeClr>
                 </a:solidFill>
               </a:rPr>
-              <a:t>포니콘에</a:t>
-            </a:r>
-            <a:r>
-              <a:rPr lang="ko-KR" altLang="en-US" sz="1600" dirty="0">
+              <a:t>협업을 해보고 싶어서</a:t>
+            </a:r>
+            <a:r>
+              <a:rPr lang="en-US" altLang="ko-KR" sz="1600" dirty="0">
                 <a:solidFill>
                   <a:schemeClr val="accent1">
                     <a:lumMod val="60000"/>
@@ -4279,10 +4294,25 @@
                   </a:schemeClr>
                 </a:solidFill>
               </a:rPr>
-              <a:t> 지원한 이유 </a:t>
-            </a:r>
-            <a:r>
-              <a:rPr lang="en-US" altLang="ko-KR" sz="1600" dirty="0">
+              <a:t>,</a:t>
+            </a:r>
+          </a:p>
+          <a:p>
+            <a:pPr>
+              <a:lnSpc>
+                <a:spcPct val="150000"/>
+              </a:lnSpc>
+            </a:pPr>
+            <a:r>
+              <a:rPr lang="ko-KR" altLang="en-US" sz="1600" dirty="0"/>
+              <a:t>찬욱</a:t>
+            </a:r>
+            <a:r>
+              <a:rPr lang="en-US" altLang="ko-KR" sz="1600" dirty="0"/>
+              <a:t>: </a:t>
+            </a:r>
+            <a:r>
+              <a:rPr lang="ko-KR" altLang="en-US" sz="1600" i="1" dirty="0">
                 <a:solidFill>
                   <a:schemeClr val="accent1">
                     <a:lumMod val="60000"/>
@@ -4290,10 +4320,10 @@
                   </a:schemeClr>
                 </a:solidFill>
               </a:rPr>
-              <a:t>~~</a:t>
-            </a:r>
-            <a:r>
-              <a:rPr lang="ko-KR" altLang="en-US" sz="1600" dirty="0" err="1">
+              <a:t>포트폴리오를 잘 만들어 보고 싶어서</a:t>
+            </a:r>
+            <a:r>
+              <a:rPr lang="en-US" altLang="ko-KR" sz="1600" dirty="0">
                 <a:solidFill>
                   <a:schemeClr val="accent1">
                     <a:lumMod val="60000"/>
@@ -4301,29 +4331,22 @@
                   </a:schemeClr>
                 </a:solidFill>
               </a:rPr>
-              <a:t>싶어서로</a:t>
-            </a:r>
-            <a:r>
-              <a:rPr lang="ko-KR" altLang="en-US" sz="1600" dirty="0">
-                <a:solidFill>
-                  <a:schemeClr val="accent1">
-                    <a:lumMod val="60000"/>
-                    <a:lumOff val="40000"/>
-                  </a:schemeClr>
-                </a:solidFill>
-              </a:rPr>
-              <a:t> 끝내주세요</a:t>
-            </a:r>
-            <a:r>
-              <a:rPr lang="en-US" altLang="ko-KR" sz="1600" dirty="0">
-                <a:solidFill>
-                  <a:schemeClr val="accent1">
-                    <a:lumMod val="60000"/>
-                    <a:lumOff val="40000"/>
-                  </a:schemeClr>
-                </a:solidFill>
-              </a:rPr>
-              <a:t>)</a:t>
+              <a:t>,</a:t>
+            </a:r>
+          </a:p>
+          <a:p>
+            <a:pPr>
+              <a:lnSpc>
+                <a:spcPct val="150000"/>
+              </a:lnSpc>
+            </a:pPr>
+            <a:r>
+              <a:rPr lang="ko-KR" altLang="en-US" sz="1600" dirty="0"/>
+              <a:t>주선</a:t>
+            </a:r>
+            <a:r>
+              <a:rPr lang="en-US" altLang="ko-KR" sz="1600" dirty="0"/>
+              <a:t>: </a:t>
             </a:r>
           </a:p>
           <a:p>
@@ -4720,7 +4743,7 @@
         <p:spPr>
           <a:xfrm>
             <a:off x="1440109" y="1770077"/>
-            <a:ext cx="8953851" cy="2353016"/>
+            <a:ext cx="8953851" cy="2722348"/>
           </a:xfrm>
           <a:prstGeom prst="rect">
             <a:avLst/>
@@ -4755,81 +4778,36 @@
               <a:t>	</a:t>
             </a:r>
             <a:r>
-              <a:rPr lang="ko-KR" altLang="en-US" sz="1600" dirty="0">
-                <a:solidFill>
-                  <a:schemeClr val="accent1">
-                    <a:lumMod val="60000"/>
-                    <a:lumOff val="40000"/>
-                  </a:schemeClr>
-                </a:solidFill>
-              </a:rPr>
-              <a:t>프로젝트 주제는 </a:t>
-            </a:r>
-            <a:r>
-              <a:rPr lang="ko-KR" altLang="en-US" sz="1600" dirty="0" err="1">
-                <a:solidFill>
-                  <a:schemeClr val="accent1">
-                    <a:lumMod val="60000"/>
-                    <a:lumOff val="40000"/>
-                  </a:schemeClr>
-                </a:solidFill>
-              </a:rPr>
-              <a:t>우리팀</a:t>
-            </a:r>
-            <a:r>
-              <a:rPr lang="ko-KR" altLang="en-US" sz="1600" dirty="0">
-                <a:solidFill>
-                  <a:schemeClr val="accent1">
-                    <a:lumMod val="60000"/>
-                    <a:lumOff val="40000"/>
-                  </a:schemeClr>
-                </a:solidFill>
-              </a:rPr>
-              <a:t> 팀장 찬욱님이</a:t>
-            </a:r>
-            <a:r>
-              <a:rPr lang="en-US" altLang="ko-KR" sz="1600" dirty="0">
-                <a:solidFill>
-                  <a:schemeClr val="accent1">
-                    <a:lumMod val="60000"/>
-                    <a:lumOff val="40000"/>
-                  </a:schemeClr>
-                </a:solidFill>
-              </a:rPr>
-              <a:t>! </a:t>
-            </a:r>
-            <a:r>
-              <a:rPr lang="ko-KR" altLang="en-US" sz="1600" dirty="0" err="1">
-                <a:solidFill>
-                  <a:schemeClr val="accent1">
-                    <a:lumMod val="60000"/>
-                    <a:lumOff val="40000"/>
-                  </a:schemeClr>
-                </a:solidFill>
-              </a:rPr>
-              <a:t>적어주시면</a:t>
-            </a:r>
-            <a:r>
-              <a:rPr lang="ko-KR" altLang="en-US" sz="1600" dirty="0">
-                <a:solidFill>
-                  <a:schemeClr val="accent1">
-                    <a:lumMod val="60000"/>
-                    <a:lumOff val="40000"/>
-                  </a:schemeClr>
-                </a:solidFill>
-              </a:rPr>
-              <a:t> 감사할 것 </a:t>
-            </a:r>
-            <a:r>
-              <a:rPr lang="ko-KR" altLang="en-US" sz="1600" dirty="0" err="1">
-                <a:solidFill>
-                  <a:schemeClr val="accent1">
-                    <a:lumMod val="60000"/>
-                    <a:lumOff val="40000"/>
-                  </a:schemeClr>
-                </a:solidFill>
-              </a:rPr>
-              <a:t>같습니당</a:t>
+              <a:rPr lang="ko-KR" altLang="en-US" sz="1600" dirty="0"/>
+              <a:t>패션이 멀게만 느껴지는 분들에게</a:t>
+            </a:r>
+            <a:r>
+              <a:rPr lang="en-US" altLang="ko-KR" sz="1600" dirty="0"/>
+              <a:t>.</a:t>
+            </a:r>
+            <a:r>
+              <a:rPr lang="ko-KR" altLang="en-US" sz="1600" dirty="0"/>
+              <a:t> 사진에서 바로 원하는 제품 </a:t>
+            </a:r>
+            <a:r>
+              <a:rPr lang="ko-KR" altLang="en-US" sz="1600" dirty="0" err="1"/>
+              <a:t>클릭시</a:t>
+            </a:r>
+            <a:r>
+              <a:rPr lang="ko-KR" altLang="en-US" sz="1600" dirty="0"/>
+              <a:t> 해당 상세페이</a:t>
+            </a:r>
+            <a:r>
+              <a:rPr lang="en-US" altLang="ko-KR" sz="1600" dirty="0"/>
+              <a:t>	</a:t>
+            </a:r>
+            <a:r>
+              <a:rPr lang="ko-KR" altLang="en-US" sz="1600" dirty="0"/>
+              <a:t>지로 넘어갈 수 있는 쇼핑몰</a:t>
+            </a:r>
+            <a:r>
+              <a:rPr lang="en-US" altLang="ko-KR" sz="1600" dirty="0"/>
+              <a:t>.</a:t>
             </a:r>
             <a:endParaRPr lang="en-US" altLang="ko-KR" sz="1600" dirty="0">
               <a:solidFill>
@@ -4936,14 +4914,6 @@
               </a:rPr>
               <a:t>.</a:t>
             </a:r>
-            <a:endParaRPr lang="ko-KR" altLang="en-US" sz="1600" dirty="0">
-              <a:solidFill>
-                <a:schemeClr val="accent1">
-                  <a:lumMod val="60000"/>
-                  <a:lumOff val="40000"/>
-                </a:schemeClr>
-              </a:solidFill>
-            </a:endParaRPr>
           </a:p>
         </p:txBody>
       </p:sp>
@@ -5340,18 +5310,7 @@
             </a:pPr>
             <a:r>
               <a:rPr lang="en-US" altLang="ko-KR" sz="1600" dirty="0"/>
-              <a:t>	</a:t>
-            </a:r>
-            <a:r>
-              <a:rPr lang="ko-KR" altLang="en-US" sz="1600" dirty="0">
-                <a:solidFill>
-                  <a:schemeClr val="accent1">
-                    <a:lumMod val="60000"/>
-                    <a:lumOff val="40000"/>
-                  </a:schemeClr>
-                </a:solidFill>
-              </a:rPr>
-              <a:t>찬욱님 적어주세요</a:t>
+              <a:t>	 Python Django</a:t>
             </a:r>
             <a:endParaRPr lang="en-US" altLang="ko-KR" sz="1600" dirty="0">
               <a:solidFill>
@@ -5834,31 +5793,77 @@
                 <a:latin typeface="나눔스퀘어라운드 ExtraBold" panose="020B0600000101010101" pitchFamily="50" charset="-127"/>
                 <a:ea typeface="나눔스퀘어라운드 ExtraBold" panose="020B0600000101010101" pitchFamily="50" charset="-127"/>
               </a:rPr>
-              <a:t>각 </a:t>
-            </a:r>
-            <a:r>
-              <a:rPr lang="ko-KR" altLang="en-US" sz="3600" dirty="0" err="1">
-                <a:latin typeface="나눔스퀘어라운드 ExtraBold" panose="020B0600000101010101" pitchFamily="50" charset="-127"/>
-                <a:ea typeface="나눔스퀘어라운드 ExtraBold" panose="020B0600000101010101" pitchFamily="50" charset="-127"/>
-              </a:rPr>
-              <a:t>팀원별</a:t>
-            </a:r>
-            <a:r>
-              <a:rPr lang="ko-KR" altLang="en-US" sz="3600" dirty="0">
-                <a:latin typeface="나눔스퀘어라운드 ExtraBold" panose="020B0600000101010101" pitchFamily="50" charset="-127"/>
-                <a:ea typeface="나눔스퀘어라운드 ExtraBold" panose="020B0600000101010101" pitchFamily="50" charset="-127"/>
-              </a:rPr>
-              <a:t> 담당 업무</a:t>
-            </a:r>
-          </a:p>
-        </p:txBody>
-      </p:sp>
+              <a:t>현재까지 구현된 사항</a:t>
+            </a:r>
+          </a:p>
+        </p:txBody>
+      </p:sp>
+      <p:pic>
+        <p:nvPicPr>
+          <p:cNvPr id="10" name="그림 9" descr="텍스트, 실내이(가) 표시된 사진&#10;&#10;자동 생성된 설명">
+            <a:extLst>
+              <a:ext uri="{FF2B5EF4-FFF2-40B4-BE49-F238E27FC236}">
+                <a16:creationId xmlns:a16="http://schemas.microsoft.com/office/drawing/2014/main" id="{626876C8-16C9-4AFA-A4B1-6DCE35B85332}"/>
+              </a:ext>
+            </a:extLst>
+          </p:cNvPr>
+          <p:cNvPicPr>
+            <a:picLocks noChangeAspect="1"/>
+          </p:cNvPicPr>
+          <p:nvPr/>
+        </p:nvPicPr>
+        <p:blipFill>
+          <a:blip r:embed="rId2"/>
+          <a:stretch>
+            <a:fillRect/>
+          </a:stretch>
+        </p:blipFill>
+        <p:spPr>
+          <a:xfrm>
+            <a:off x="1244367" y="1828937"/>
+            <a:ext cx="4681881" cy="2312528"/>
+          </a:xfrm>
+          <a:prstGeom prst="rect">
+            <a:avLst/>
+          </a:prstGeom>
+        </p:spPr>
+      </p:pic>
+      <p:pic>
+        <p:nvPicPr>
+          <p:cNvPr id="12" name="그림 11">
+            <a:extLst>
+              <a:ext uri="{FF2B5EF4-FFF2-40B4-BE49-F238E27FC236}">
+                <a16:creationId xmlns:a16="http://schemas.microsoft.com/office/drawing/2014/main" id="{F8F0AA7F-F0C6-4AC3-ADBC-9D6970CBE60B}"/>
+              </a:ext>
+            </a:extLst>
+          </p:cNvPr>
+          <p:cNvPicPr>
+            <a:picLocks noChangeAspect="1"/>
+          </p:cNvPicPr>
+          <p:nvPr/>
+        </p:nvPicPr>
+        <p:blipFill>
+          <a:blip r:embed="rId3"/>
+          <a:stretch>
+            <a:fillRect/>
+          </a:stretch>
+        </p:blipFill>
+        <p:spPr>
+          <a:xfrm>
+            <a:off x="6596443" y="1058202"/>
+            <a:ext cx="3112268" cy="3085263"/>
+          </a:xfrm>
+          <a:prstGeom prst="rect">
+            <a:avLst/>
+          </a:prstGeom>
+        </p:spPr>
+      </p:pic>
       <p:sp>
         <p:nvSpPr>
           <p:cNvPr id="3" name="TextBox 2">
             <a:extLst>
               <a:ext uri="{FF2B5EF4-FFF2-40B4-BE49-F238E27FC236}">
-                <a16:creationId xmlns:a16="http://schemas.microsoft.com/office/drawing/2014/main" id="{78B3A5FC-7555-4C7F-83E9-2F3CCCC9018F}"/>
+                <a16:creationId xmlns:a16="http://schemas.microsoft.com/office/drawing/2014/main" id="{A117A76F-92F3-42C9-AC0C-8D34414E4D45}"/>
               </a:ext>
             </a:extLst>
           </p:cNvPr>
@@ -5867,8 +5872,8 @@
         </p:nvSpPr>
         <p:spPr>
           <a:xfrm>
-            <a:off x="1367405" y="1794061"/>
-            <a:ext cx="2801923" cy="369332"/>
+            <a:off x="1476462" y="4991450"/>
+            <a:ext cx="2139193" cy="369332"/>
           </a:xfrm>
           <a:prstGeom prst="rect">
             <a:avLst/>
@@ -5882,7 +5887,7 @@
           <a:lstStyle/>
           <a:p>
             <a:r>
-              <a:rPr lang="ko-KR" altLang="en-US" dirty="0">
+              <a:rPr lang="en-US" altLang="ko-KR" i="1" dirty="0">
                 <a:solidFill>
                   <a:schemeClr val="accent1">
                     <a:lumMod val="60000"/>
@@ -5890,7 +5895,18 @@
                   </a:schemeClr>
                 </a:solidFill>
               </a:rPr>
-              <a:t>주선</a:t>
+              <a:t>Top </a:t>
+            </a:r>
+            <a:r>
+              <a:rPr lang="ko-KR" altLang="en-US" i="1" dirty="0">
+                <a:solidFill>
+                  <a:schemeClr val="accent1">
+                    <a:lumMod val="60000"/>
+                    <a:lumOff val="40000"/>
+                  </a:schemeClr>
+                </a:solidFill>
+              </a:rPr>
+              <a:t>페이지</a:t>
             </a:r>
           </a:p>
         </p:txBody>
@@ -5900,7 +5916,7 @@
           <p:cNvPr id="4" name="TextBox 3">
             <a:extLst>
               <a:ext uri="{FF2B5EF4-FFF2-40B4-BE49-F238E27FC236}">
-                <a16:creationId xmlns:a16="http://schemas.microsoft.com/office/drawing/2014/main" id="{38494613-F593-4D68-ACA7-792A10F5D1CE}"/>
+                <a16:creationId xmlns:a16="http://schemas.microsoft.com/office/drawing/2014/main" id="{21CFE9DF-9011-4A4F-9BD3-CB4F2A3038F3}"/>
               </a:ext>
             </a:extLst>
           </p:cNvPr>
@@ -5909,8 +5925,8 @@
         </p:nvSpPr>
         <p:spPr>
           <a:xfrm>
-            <a:off x="4592972" y="1794061"/>
-            <a:ext cx="2801923" cy="369332"/>
+            <a:off x="6096000" y="4991450"/>
+            <a:ext cx="1881930" cy="369332"/>
           </a:xfrm>
           <a:prstGeom prst="rect">
             <a:avLst/>
@@ -5924,7 +5940,7 @@
           <a:lstStyle/>
           <a:p>
             <a:r>
-              <a:rPr lang="ko-KR" altLang="en-US" dirty="0">
+              <a:rPr lang="ko-KR" altLang="en-US" i="1" dirty="0">
                 <a:solidFill>
                   <a:schemeClr val="accent1">
                     <a:lumMod val="60000"/>
@@ -5932,49 +5948,7 @@
                   </a:schemeClr>
                 </a:solidFill>
               </a:rPr>
-              <a:t>가나</a:t>
-            </a:r>
-          </a:p>
-        </p:txBody>
-      </p:sp>
-      <p:sp>
-        <p:nvSpPr>
-          <p:cNvPr id="8" name="TextBox 7">
-            <a:extLst>
-              <a:ext uri="{FF2B5EF4-FFF2-40B4-BE49-F238E27FC236}">
-                <a16:creationId xmlns:a16="http://schemas.microsoft.com/office/drawing/2014/main" id="{1170E341-AF5F-43E1-8CB5-C9B4E95E17AE}"/>
-              </a:ext>
-            </a:extLst>
-          </p:cNvPr>
-          <p:cNvSpPr txBox="1"/>
-          <p:nvPr/>
-        </p:nvSpPr>
-        <p:spPr>
-          <a:xfrm>
-            <a:off x="7818539" y="1761688"/>
-            <a:ext cx="2653717" cy="369332"/>
-          </a:xfrm>
-          <a:prstGeom prst="rect">
-            <a:avLst/>
-          </a:prstGeom>
-          <a:noFill/>
-        </p:spPr>
-        <p:txBody>
-          <a:bodyPr wrap="square" rtlCol="0">
-            <a:spAutoFit/>
-          </a:bodyPr>
-          <a:lstStyle/>
-          <a:p>
-            <a:r>
-              <a:rPr lang="ko-KR" altLang="en-US" dirty="0">
-                <a:solidFill>
-                  <a:schemeClr val="accent1">
-                    <a:lumMod val="60000"/>
-                    <a:lumOff val="40000"/>
-                  </a:schemeClr>
-                </a:solidFill>
-              </a:rPr>
-              <a:t>찬욱</a:t>
+              <a:t>상품 상세페이지</a:t>
             </a:r>
           </a:p>
         </p:txBody>
@@ -5982,7 +5956,7 @@
     </p:spTree>
     <p:extLst>
       <p:ext uri="{BB962C8B-B14F-4D97-AF65-F5344CB8AC3E}">
-        <p14:creationId xmlns:p14="http://schemas.microsoft.com/office/powerpoint/2010/main" val="2505584731"/>
+        <p14:creationId xmlns:p14="http://schemas.microsoft.com/office/powerpoint/2010/main" val="3266611712"/>
       </p:ext>
     </p:extLst>
   </p:cSld>
@@ -6252,6 +6226,953 @@
           <a:lstStyle/>
           <a:p>
             <a:r>
+              <a:rPr lang="ko-KR" altLang="en-US" sz="3600" dirty="0">
+                <a:latin typeface="나눔스퀘어라운드 ExtraBold" panose="020B0600000101010101" pitchFamily="50" charset="-127"/>
+                <a:ea typeface="나눔스퀘어라운드 ExtraBold" panose="020B0600000101010101" pitchFamily="50" charset="-127"/>
+              </a:rPr>
+              <a:t>현재까지 구현된 사항</a:t>
+            </a:r>
+          </a:p>
+        </p:txBody>
+      </p:sp>
+      <p:sp>
+        <p:nvSpPr>
+          <p:cNvPr id="14" name="TextBox 13">
+            <a:extLst>
+              <a:ext uri="{FF2B5EF4-FFF2-40B4-BE49-F238E27FC236}">
+                <a16:creationId xmlns:a16="http://schemas.microsoft.com/office/drawing/2014/main" id="{545FD0B3-7260-4700-A48C-77FF5EC6AE4D}"/>
+              </a:ext>
+            </a:extLst>
+          </p:cNvPr>
+          <p:cNvSpPr txBox="1"/>
+          <p:nvPr/>
+        </p:nvSpPr>
+        <p:spPr>
+          <a:xfrm>
+            <a:off x="2639735" y="5420794"/>
+            <a:ext cx="2203509" cy="369332"/>
+          </a:xfrm>
+          <a:prstGeom prst="rect">
+            <a:avLst/>
+          </a:prstGeom>
+          <a:noFill/>
+        </p:spPr>
+        <p:txBody>
+          <a:bodyPr wrap="square" rtlCol="0">
+            <a:spAutoFit/>
+          </a:bodyPr>
+          <a:lstStyle/>
+          <a:p>
+            <a:r>
+              <a:rPr lang="ko-KR" altLang="en-US" dirty="0"/>
+              <a:t>상품 상세페이지</a:t>
+            </a:r>
+            <a:r>
+              <a:rPr lang="en-US" altLang="ko-KR" dirty="0"/>
+              <a:t>2</a:t>
+            </a:r>
+            <a:endParaRPr lang="ko-KR" altLang="en-US" dirty="0"/>
+          </a:p>
+        </p:txBody>
+      </p:sp>
+      <p:pic>
+        <p:nvPicPr>
+          <p:cNvPr id="16" name="그림 15" descr="텍스트이(가) 표시된 사진&#10;&#10;자동 생성된 설명">
+            <a:extLst>
+              <a:ext uri="{FF2B5EF4-FFF2-40B4-BE49-F238E27FC236}">
+                <a16:creationId xmlns:a16="http://schemas.microsoft.com/office/drawing/2014/main" id="{648E20CC-EB62-4557-B08B-0D77BC4F9339}"/>
+              </a:ext>
+            </a:extLst>
+          </p:cNvPr>
+          <p:cNvPicPr>
+            <a:picLocks noChangeAspect="1"/>
+          </p:cNvPicPr>
+          <p:nvPr/>
+        </p:nvPicPr>
+        <p:blipFill>
+          <a:blip r:embed="rId2"/>
+          <a:stretch>
+            <a:fillRect/>
+          </a:stretch>
+        </p:blipFill>
+        <p:spPr>
+          <a:xfrm>
+            <a:off x="5813571" y="2227523"/>
+            <a:ext cx="5581240" cy="2942836"/>
+          </a:xfrm>
+          <a:prstGeom prst="rect">
+            <a:avLst/>
+          </a:prstGeom>
+        </p:spPr>
+      </p:pic>
+      <p:sp>
+        <p:nvSpPr>
+          <p:cNvPr id="17" name="TextBox 16">
+            <a:extLst>
+              <a:ext uri="{FF2B5EF4-FFF2-40B4-BE49-F238E27FC236}">
+                <a16:creationId xmlns:a16="http://schemas.microsoft.com/office/drawing/2014/main" id="{B6A62ED4-4A5D-4B16-810B-AFC4B3C3CB1B}"/>
+              </a:ext>
+            </a:extLst>
+          </p:cNvPr>
+          <p:cNvSpPr txBox="1"/>
+          <p:nvPr/>
+        </p:nvSpPr>
+        <p:spPr>
+          <a:xfrm>
+            <a:off x="6947583" y="5420794"/>
+            <a:ext cx="2604682" cy="369332"/>
+          </a:xfrm>
+          <a:prstGeom prst="rect">
+            <a:avLst/>
+          </a:prstGeom>
+          <a:noFill/>
+        </p:spPr>
+        <p:txBody>
+          <a:bodyPr wrap="square" rtlCol="0">
+            <a:spAutoFit/>
+          </a:bodyPr>
+          <a:lstStyle/>
+          <a:p>
+            <a:r>
+              <a:rPr lang="ko-KR" altLang="en-US" dirty="0"/>
+              <a:t>현재 회원가입 구현중</a:t>
+            </a:r>
+          </a:p>
+        </p:txBody>
+      </p:sp>
+      <p:pic>
+        <p:nvPicPr>
+          <p:cNvPr id="19" name="그림 18">
+            <a:extLst>
+              <a:ext uri="{FF2B5EF4-FFF2-40B4-BE49-F238E27FC236}">
+                <a16:creationId xmlns:a16="http://schemas.microsoft.com/office/drawing/2014/main" id="{F45BDB06-44C2-4337-8B24-205B738A049F}"/>
+              </a:ext>
+            </a:extLst>
+          </p:cNvPr>
+          <p:cNvPicPr>
+            <a:picLocks noChangeAspect="1"/>
+          </p:cNvPicPr>
+          <p:nvPr/>
+        </p:nvPicPr>
+        <p:blipFill rotWithShape="1">
+          <a:blip r:embed="rId3"/>
+          <a:srcRect l="12246" r="10707"/>
+          <a:stretch/>
+        </p:blipFill>
+        <p:spPr>
+          <a:xfrm>
+            <a:off x="1417739" y="2227523"/>
+            <a:ext cx="4395832" cy="2795783"/>
+          </a:xfrm>
+          <a:prstGeom prst="rect">
+            <a:avLst/>
+          </a:prstGeom>
+        </p:spPr>
+      </p:pic>
+    </p:spTree>
+    <p:extLst>
+      <p:ext uri="{BB962C8B-B14F-4D97-AF65-F5344CB8AC3E}">
+        <p14:creationId xmlns:p14="http://schemas.microsoft.com/office/powerpoint/2010/main" val="2505584731"/>
+      </p:ext>
+    </p:extLst>
+  </p:cSld>
+  <p:clrMapOvr>
+    <a:masterClrMapping/>
+  </p:clrMapOvr>
+</p:sld>
+</file>
+
+<file path=ppt/slides/slide7.xml><?xml version="1.0" encoding="utf-8"?>
+<p:sld xmlns:a="http://schemas.openxmlformats.org/drawingml/2006/main" xmlns:r="http://schemas.openxmlformats.org/officeDocument/2006/relationships" xmlns:p="http://schemas.openxmlformats.org/presentationml/2006/main">
+  <p:cSld>
+    <p:spTree>
+      <p:nvGrpSpPr>
+        <p:cNvPr id="1" name=""/>
+        <p:cNvGrpSpPr/>
+        <p:nvPr/>
+      </p:nvGrpSpPr>
+      <p:grpSpPr>
+        <a:xfrm>
+          <a:off x="0" y="0"/>
+          <a:ext cx="0" cy="0"/>
+          <a:chOff x="0" y="0"/>
+          <a:chExt cx="0" cy="0"/>
+        </a:xfrm>
+      </p:grpSpPr>
+      <p:sp>
+        <p:nvSpPr>
+          <p:cNvPr id="5" name="TextBox 4">
+            <a:extLst>
+              <a:ext uri="{FF2B5EF4-FFF2-40B4-BE49-F238E27FC236}">
+                <a16:creationId xmlns:a16="http://schemas.microsoft.com/office/drawing/2014/main" id="{A5898BCB-DA7A-45AD-9606-1D350F47E344}"/>
+              </a:ext>
+            </a:extLst>
+          </p:cNvPr>
+          <p:cNvSpPr txBox="1"/>
+          <p:nvPr/>
+        </p:nvSpPr>
+        <p:spPr>
+          <a:xfrm rot="16200000">
+            <a:off x="-813733" y="1307294"/>
+            <a:ext cx="2558644" cy="338554"/>
+          </a:xfrm>
+          <a:prstGeom prst="rect">
+            <a:avLst/>
+          </a:prstGeom>
+          <a:noFill/>
+        </p:spPr>
+        <p:txBody>
+          <a:bodyPr wrap="square" rtlCol="0">
+            <a:spAutoFit/>
+          </a:bodyPr>
+          <a:lstStyle/>
+          <a:p>
+            <a:r>
+              <a:rPr lang="en-US" altLang="ko-KR" sz="1600" dirty="0">
+                <a:solidFill>
+                  <a:schemeClr val="bg1">
+                    <a:lumMod val="50000"/>
+                  </a:schemeClr>
+                </a:solidFill>
+                <a:latin typeface="나눔스퀘어라운드 ExtraBold" panose="020B0600000101010101" pitchFamily="50" charset="-127"/>
+                <a:ea typeface="나눔스퀘어라운드 ExtraBold" panose="020B0600000101010101" pitchFamily="50" charset="-127"/>
+              </a:rPr>
+              <a:t>J2KB</a:t>
+            </a:r>
+            <a:r>
+              <a:rPr lang="ko-KR" altLang="en-US" sz="1600" dirty="0" err="1">
+                <a:solidFill>
+                  <a:schemeClr val="bg1">
+                    <a:lumMod val="50000"/>
+                  </a:schemeClr>
+                </a:solidFill>
+                <a:latin typeface="나눔스퀘어라운드 ExtraBold" panose="020B0600000101010101" pitchFamily="50" charset="-127"/>
+                <a:ea typeface="나눔스퀘어라운드 ExtraBold" panose="020B0600000101010101" pitchFamily="50" charset="-127"/>
+              </a:rPr>
+              <a:t>포니콘</a:t>
+            </a:r>
+            <a:r>
+              <a:rPr lang="en-US" altLang="ko-KR" sz="1600" dirty="0">
+                <a:solidFill>
+                  <a:schemeClr val="bg1">
+                    <a:lumMod val="50000"/>
+                  </a:schemeClr>
+                </a:solidFill>
+                <a:latin typeface="나눔스퀘어라운드 ExtraBold" panose="020B0600000101010101" pitchFamily="50" charset="-127"/>
+                <a:ea typeface="나눔스퀘어라운드 ExtraBold" panose="020B0600000101010101" pitchFamily="50" charset="-127"/>
+              </a:rPr>
+              <a:t>_</a:t>
+            </a:r>
+            <a:r>
+              <a:rPr lang="ko-KR" altLang="en-US" sz="1600" dirty="0" err="1">
+                <a:solidFill>
+                  <a:schemeClr val="bg1">
+                    <a:lumMod val="50000"/>
+                  </a:schemeClr>
+                </a:solidFill>
+                <a:latin typeface="나눔스퀘어라운드 ExtraBold" panose="020B0600000101010101" pitchFamily="50" charset="-127"/>
+                <a:ea typeface="나눔스퀘어라운드 ExtraBold" panose="020B0600000101010101" pitchFamily="50" charset="-127"/>
+              </a:rPr>
+              <a:t>이날뭐입지</a:t>
+            </a:r>
+            <a:endParaRPr lang="ko-KR" altLang="en-US" sz="1600" dirty="0">
+              <a:solidFill>
+                <a:schemeClr val="bg1">
+                  <a:lumMod val="50000"/>
+                </a:schemeClr>
+              </a:solidFill>
+              <a:latin typeface="나눔스퀘어라운드 ExtraBold" panose="020B0600000101010101" pitchFamily="50" charset="-127"/>
+              <a:ea typeface="나눔스퀘어라운드 ExtraBold" panose="020B0600000101010101" pitchFamily="50" charset="-127"/>
+            </a:endParaRPr>
+          </a:p>
+        </p:txBody>
+      </p:sp>
+      <p:sp>
+        <p:nvSpPr>
+          <p:cNvPr id="7" name="TextBox 6">
+            <a:extLst>
+              <a:ext uri="{FF2B5EF4-FFF2-40B4-BE49-F238E27FC236}">
+                <a16:creationId xmlns:a16="http://schemas.microsoft.com/office/drawing/2014/main" id="{B6C2C019-E920-43F5-A89E-C2C87AE3DA4C}"/>
+              </a:ext>
+            </a:extLst>
+          </p:cNvPr>
+          <p:cNvSpPr txBox="1"/>
+          <p:nvPr/>
+        </p:nvSpPr>
+        <p:spPr>
+          <a:xfrm rot="5400000">
+            <a:off x="10428913" y="5251517"/>
+            <a:ext cx="2558644" cy="338554"/>
+          </a:xfrm>
+          <a:prstGeom prst="rect">
+            <a:avLst/>
+          </a:prstGeom>
+          <a:noFill/>
+        </p:spPr>
+        <p:txBody>
+          <a:bodyPr wrap="square" rtlCol="0">
+            <a:spAutoFit/>
+          </a:bodyPr>
+          <a:lstStyle/>
+          <a:p>
+            <a:r>
+              <a:rPr lang="en-US" altLang="ko-KR" sz="1600" dirty="0">
+                <a:solidFill>
+                  <a:schemeClr val="bg1">
+                    <a:lumMod val="50000"/>
+                  </a:schemeClr>
+                </a:solidFill>
+                <a:latin typeface="나눔스퀘어라운드 ExtraBold" panose="020B0600000101010101" pitchFamily="50" charset="-127"/>
+                <a:ea typeface="나눔스퀘어라운드 ExtraBold" panose="020B0600000101010101" pitchFamily="50" charset="-127"/>
+              </a:rPr>
+              <a:t>J2KB</a:t>
+            </a:r>
+            <a:r>
+              <a:rPr lang="ko-KR" altLang="en-US" sz="1600" dirty="0" err="1">
+                <a:solidFill>
+                  <a:schemeClr val="bg1">
+                    <a:lumMod val="50000"/>
+                  </a:schemeClr>
+                </a:solidFill>
+                <a:latin typeface="나눔스퀘어라운드 ExtraBold" panose="020B0600000101010101" pitchFamily="50" charset="-127"/>
+                <a:ea typeface="나눔스퀘어라운드 ExtraBold" panose="020B0600000101010101" pitchFamily="50" charset="-127"/>
+              </a:rPr>
+              <a:t>포니콘</a:t>
+            </a:r>
+            <a:r>
+              <a:rPr lang="en-US" altLang="ko-KR" sz="1600" dirty="0">
+                <a:solidFill>
+                  <a:schemeClr val="bg1">
+                    <a:lumMod val="50000"/>
+                  </a:schemeClr>
+                </a:solidFill>
+                <a:latin typeface="나눔스퀘어라운드 ExtraBold" panose="020B0600000101010101" pitchFamily="50" charset="-127"/>
+                <a:ea typeface="나눔스퀘어라운드 ExtraBold" panose="020B0600000101010101" pitchFamily="50" charset="-127"/>
+              </a:rPr>
+              <a:t>_</a:t>
+            </a:r>
+            <a:r>
+              <a:rPr lang="ko-KR" altLang="en-US" sz="1600" dirty="0" err="1">
+                <a:solidFill>
+                  <a:schemeClr val="bg1">
+                    <a:lumMod val="50000"/>
+                  </a:schemeClr>
+                </a:solidFill>
+                <a:latin typeface="나눔스퀘어라운드 ExtraBold" panose="020B0600000101010101" pitchFamily="50" charset="-127"/>
+                <a:ea typeface="나눔스퀘어라운드 ExtraBold" panose="020B0600000101010101" pitchFamily="50" charset="-127"/>
+              </a:rPr>
+              <a:t>이날뭐입지</a:t>
+            </a:r>
+            <a:endParaRPr lang="ko-KR" altLang="en-US" sz="1600" dirty="0">
+              <a:solidFill>
+                <a:schemeClr val="bg1">
+                  <a:lumMod val="50000"/>
+                </a:schemeClr>
+              </a:solidFill>
+              <a:latin typeface="나눔스퀘어라운드 ExtraBold" panose="020B0600000101010101" pitchFamily="50" charset="-127"/>
+              <a:ea typeface="나눔스퀘어라운드 ExtraBold" panose="020B0600000101010101" pitchFamily="50" charset="-127"/>
+            </a:endParaRPr>
+          </a:p>
+        </p:txBody>
+      </p:sp>
+      <p:cxnSp>
+        <p:nvCxnSpPr>
+          <p:cNvPr id="6" name="직선 연결선 5">
+            <a:extLst>
+              <a:ext uri="{FF2B5EF4-FFF2-40B4-BE49-F238E27FC236}">
+                <a16:creationId xmlns:a16="http://schemas.microsoft.com/office/drawing/2014/main" id="{43EB4F03-A758-4154-AA82-6E475C6D606F}"/>
+              </a:ext>
+            </a:extLst>
+          </p:cNvPr>
+          <p:cNvCxnSpPr>
+            <a:cxnSpLocks/>
+          </p:cNvCxnSpPr>
+          <p:nvPr/>
+        </p:nvCxnSpPr>
+        <p:spPr>
+          <a:xfrm>
+            <a:off x="989901" y="1332396"/>
+            <a:ext cx="5251508" cy="0"/>
+          </a:xfrm>
+          <a:prstGeom prst="line">
+            <a:avLst/>
+          </a:prstGeom>
+        </p:spPr>
+        <p:style>
+          <a:lnRef idx="1">
+            <a:schemeClr val="accent1"/>
+          </a:lnRef>
+          <a:fillRef idx="0">
+            <a:schemeClr val="accent1"/>
+          </a:fillRef>
+          <a:effectRef idx="0">
+            <a:schemeClr val="accent1"/>
+          </a:effectRef>
+          <a:fontRef idx="minor">
+            <a:schemeClr val="tx1"/>
+          </a:fontRef>
+        </p:style>
+      </p:cxnSp>
+      <p:sp>
+        <p:nvSpPr>
+          <p:cNvPr id="2" name="TextBox 1">
+            <a:extLst>
+              <a:ext uri="{FF2B5EF4-FFF2-40B4-BE49-F238E27FC236}">
+                <a16:creationId xmlns:a16="http://schemas.microsoft.com/office/drawing/2014/main" id="{7729B4F4-873A-4C70-9B3F-8FAEA02ED622}"/>
+              </a:ext>
+            </a:extLst>
+          </p:cNvPr>
+          <p:cNvSpPr txBox="1"/>
+          <p:nvPr/>
+        </p:nvSpPr>
+        <p:spPr>
+          <a:xfrm>
+            <a:off x="989901" y="686065"/>
+            <a:ext cx="5251508" cy="646331"/>
+          </a:xfrm>
+          <a:prstGeom prst="rect">
+            <a:avLst/>
+          </a:prstGeom>
+          <a:noFill/>
+        </p:spPr>
+        <p:txBody>
+          <a:bodyPr wrap="square" rtlCol="0">
+            <a:spAutoFit/>
+          </a:bodyPr>
+          <a:lstStyle/>
+          <a:p>
+            <a:r>
+              <a:rPr lang="ko-KR" altLang="en-US" sz="3600" dirty="0">
+                <a:latin typeface="나눔스퀘어라운드 ExtraBold" panose="020B0600000101010101" pitchFamily="50" charset="-127"/>
+                <a:ea typeface="나눔스퀘어라운드 ExtraBold" panose="020B0600000101010101" pitchFamily="50" charset="-127"/>
+              </a:rPr>
+              <a:t>각 </a:t>
+            </a:r>
+            <a:r>
+              <a:rPr lang="ko-KR" altLang="en-US" sz="3600" dirty="0" err="1">
+                <a:latin typeface="나눔스퀘어라운드 ExtraBold" panose="020B0600000101010101" pitchFamily="50" charset="-127"/>
+                <a:ea typeface="나눔스퀘어라운드 ExtraBold" panose="020B0600000101010101" pitchFamily="50" charset="-127"/>
+              </a:rPr>
+              <a:t>팀원별</a:t>
+            </a:r>
+            <a:r>
+              <a:rPr lang="ko-KR" altLang="en-US" sz="3600" dirty="0">
+                <a:latin typeface="나눔스퀘어라운드 ExtraBold" panose="020B0600000101010101" pitchFamily="50" charset="-127"/>
+                <a:ea typeface="나눔스퀘어라운드 ExtraBold" panose="020B0600000101010101" pitchFamily="50" charset="-127"/>
+              </a:rPr>
+              <a:t> 담당 업무</a:t>
+            </a:r>
+          </a:p>
+        </p:txBody>
+      </p:sp>
+      <p:sp>
+        <p:nvSpPr>
+          <p:cNvPr id="10" name="TextBox 9">
+            <a:extLst>
+              <a:ext uri="{FF2B5EF4-FFF2-40B4-BE49-F238E27FC236}">
+                <a16:creationId xmlns:a16="http://schemas.microsoft.com/office/drawing/2014/main" id="{A0E3312C-0633-4D1D-AD3A-7B7007DD5E06}"/>
+              </a:ext>
+            </a:extLst>
+          </p:cNvPr>
+          <p:cNvSpPr txBox="1"/>
+          <p:nvPr/>
+        </p:nvSpPr>
+        <p:spPr>
+          <a:xfrm>
+            <a:off x="1440109" y="1770077"/>
+            <a:ext cx="8953851" cy="2399183"/>
+          </a:xfrm>
+          <a:prstGeom prst="rect">
+            <a:avLst/>
+          </a:prstGeom>
+          <a:noFill/>
+        </p:spPr>
+        <p:txBody>
+          <a:bodyPr wrap="square" rtlCol="0">
+            <a:spAutoFit/>
+          </a:bodyPr>
+          <a:lstStyle/>
+          <a:p>
+            <a:pPr>
+              <a:lnSpc>
+                <a:spcPct val="150000"/>
+              </a:lnSpc>
+            </a:pPr>
+            <a:r>
+              <a:rPr lang="ko-KR" altLang="en-US" b="1" dirty="0"/>
+              <a:t>주선</a:t>
+            </a:r>
+            <a:r>
+              <a:rPr lang="en-US" altLang="ko-KR" sz="1600" dirty="0"/>
+              <a:t>	</a:t>
+            </a:r>
+            <a:r>
+              <a:rPr lang="en-US" altLang="ko-KR" sz="1600" dirty="0">
+                <a:solidFill>
+                  <a:schemeClr val="accent1">
+                    <a:lumMod val="60000"/>
+                    <a:lumOff val="40000"/>
+                  </a:schemeClr>
+                </a:solidFill>
+              </a:rPr>
+              <a:t>html / </a:t>
+            </a:r>
+            <a:r>
+              <a:rPr lang="en-US" altLang="ko-KR" sz="1600" dirty="0" err="1">
+                <a:solidFill>
+                  <a:schemeClr val="accent1">
+                    <a:lumMod val="60000"/>
+                    <a:lumOff val="40000"/>
+                  </a:schemeClr>
+                </a:solidFill>
+              </a:rPr>
+              <a:t>css</a:t>
+            </a:r>
+            <a:r>
+              <a:rPr lang="en-US" altLang="ko-KR" sz="1600" dirty="0">
+                <a:solidFill>
+                  <a:schemeClr val="accent1">
+                    <a:lumMod val="60000"/>
+                    <a:lumOff val="40000"/>
+                  </a:schemeClr>
+                </a:solidFill>
+              </a:rPr>
+              <a:t> / </a:t>
+            </a:r>
+            <a:r>
+              <a:rPr lang="en-US" altLang="ko-KR" sz="1600" dirty="0" err="1">
+                <a:solidFill>
+                  <a:schemeClr val="accent1">
+                    <a:lumMod val="60000"/>
+                    <a:lumOff val="40000"/>
+                  </a:schemeClr>
+                </a:solidFill>
+              </a:rPr>
+              <a:t>javascript</a:t>
+            </a:r>
+            <a:r>
+              <a:rPr lang="en-US" altLang="ko-KR" sz="1600" dirty="0">
+                <a:solidFill>
+                  <a:schemeClr val="accent1">
+                    <a:lumMod val="60000"/>
+                    <a:lumOff val="40000"/>
+                  </a:schemeClr>
+                </a:solidFill>
+              </a:rPr>
+              <a:t> / </a:t>
+            </a:r>
+            <a:r>
+              <a:rPr lang="ko-KR" altLang="en-US" sz="1600" dirty="0">
+                <a:solidFill>
+                  <a:schemeClr val="accent1">
+                    <a:lumMod val="60000"/>
+                    <a:lumOff val="40000"/>
+                  </a:schemeClr>
+                </a:solidFill>
+              </a:rPr>
+              <a:t>가능하다면 </a:t>
+            </a:r>
+            <a:r>
+              <a:rPr lang="en-US" altLang="ko-KR" sz="1600" dirty="0">
+                <a:solidFill>
+                  <a:schemeClr val="accent1">
+                    <a:lumMod val="60000"/>
+                    <a:lumOff val="40000"/>
+                  </a:schemeClr>
+                </a:solidFill>
+              </a:rPr>
+              <a:t>react</a:t>
+            </a:r>
+            <a:r>
+              <a:rPr lang="ko-KR" altLang="en-US" sz="1600" dirty="0">
+                <a:solidFill>
+                  <a:schemeClr val="accent1">
+                    <a:lumMod val="60000"/>
+                    <a:lumOff val="40000"/>
+                  </a:schemeClr>
+                </a:solidFill>
+              </a:rPr>
+              <a:t>도</a:t>
+            </a:r>
+            <a:endParaRPr lang="en-US" altLang="ko-KR" sz="1600" dirty="0">
+              <a:solidFill>
+                <a:schemeClr val="accent1">
+                  <a:lumMod val="60000"/>
+                  <a:lumOff val="40000"/>
+                </a:schemeClr>
+              </a:solidFill>
+            </a:endParaRPr>
+          </a:p>
+          <a:p>
+            <a:pPr>
+              <a:lnSpc>
+                <a:spcPct val="150000"/>
+              </a:lnSpc>
+            </a:pPr>
+            <a:endParaRPr lang="en-US" altLang="ko-KR" sz="1600" dirty="0"/>
+          </a:p>
+          <a:p>
+            <a:pPr>
+              <a:lnSpc>
+                <a:spcPct val="150000"/>
+              </a:lnSpc>
+            </a:pPr>
+            <a:r>
+              <a:rPr lang="ko-KR" altLang="en-US" b="1" dirty="0"/>
+              <a:t>가나</a:t>
+            </a:r>
+            <a:r>
+              <a:rPr lang="en-US" altLang="ko-KR" sz="1600" b="1" dirty="0"/>
+              <a:t>	</a:t>
+            </a:r>
+            <a:r>
+              <a:rPr lang="ko-KR" altLang="en-US" sz="1600" dirty="0" err="1"/>
+              <a:t>메인페이지</a:t>
+            </a:r>
+            <a:r>
+              <a:rPr lang="en-US" altLang="ko-KR" sz="1600" dirty="0"/>
+              <a:t>, </a:t>
+            </a:r>
+            <a:r>
+              <a:rPr lang="ko-KR" altLang="en-US" sz="1600" dirty="0"/>
+              <a:t>상품상세페이지 하단 구현 중</a:t>
+            </a:r>
+            <a:endParaRPr lang="en-US" altLang="ko-KR" sz="1600" dirty="0"/>
+          </a:p>
+          <a:p>
+            <a:pPr>
+              <a:lnSpc>
+                <a:spcPct val="150000"/>
+              </a:lnSpc>
+            </a:pPr>
+            <a:endParaRPr lang="en-US" altLang="ko-KR" sz="1600" dirty="0"/>
+          </a:p>
+          <a:p>
+            <a:pPr>
+              <a:lnSpc>
+                <a:spcPct val="150000"/>
+              </a:lnSpc>
+            </a:pPr>
+            <a:r>
+              <a:rPr lang="ko-KR" altLang="en-US" b="1" dirty="0"/>
+              <a:t>찬욱</a:t>
+            </a:r>
+            <a:r>
+              <a:rPr lang="en-US" altLang="ko-KR" b="1" dirty="0"/>
+              <a:t>	</a:t>
+            </a:r>
+            <a:r>
+              <a:rPr lang="en-US" altLang="ko-KR" sz="1600" dirty="0"/>
+              <a:t>Django</a:t>
+            </a:r>
+            <a:r>
+              <a:rPr lang="ko-KR" altLang="en-US" sz="1600" dirty="0"/>
+              <a:t>를 이용하여 웹의 전체적인 틀을 구성</a:t>
+            </a:r>
+            <a:endParaRPr lang="en-US" altLang="ko-KR" sz="1600" dirty="0"/>
+          </a:p>
+          <a:p>
+            <a:pPr>
+              <a:lnSpc>
+                <a:spcPct val="150000"/>
+              </a:lnSpc>
+            </a:pPr>
+            <a:r>
+              <a:rPr lang="en-US" altLang="ko-KR" sz="1600" dirty="0"/>
+              <a:t>	Django</a:t>
+            </a:r>
+            <a:r>
+              <a:rPr lang="ko-KR" altLang="en-US" sz="1600" dirty="0"/>
+              <a:t>의 편리한 기능인 모델과 뷰를 이용하여 </a:t>
+            </a:r>
+            <a:r>
+              <a:rPr lang="en-US" altLang="ko-KR" sz="1600" dirty="0"/>
+              <a:t>DB</a:t>
+            </a:r>
+            <a:r>
+              <a:rPr lang="ko-KR" altLang="en-US" sz="1600" dirty="0"/>
+              <a:t>관리</a:t>
+            </a:r>
+            <a:r>
+              <a:rPr lang="en-US" altLang="ko-KR" sz="1600" dirty="0"/>
+              <a:t>.</a:t>
+            </a:r>
+          </a:p>
+        </p:txBody>
+      </p:sp>
+    </p:spTree>
+    <p:extLst>
+      <p:ext uri="{BB962C8B-B14F-4D97-AF65-F5344CB8AC3E}">
+        <p14:creationId xmlns:p14="http://schemas.microsoft.com/office/powerpoint/2010/main" val="3147106173"/>
+      </p:ext>
+    </p:extLst>
+  </p:cSld>
+  <p:clrMapOvr>
+    <a:masterClrMapping/>
+  </p:clrMapOvr>
+</p:sld>
+</file>
+
+<file path=ppt/slides/slide8.xml><?xml version="1.0" encoding="utf-8"?>
+<p:sld xmlns:a="http://schemas.openxmlformats.org/drawingml/2006/main" xmlns:r="http://schemas.openxmlformats.org/officeDocument/2006/relationships" xmlns:p="http://schemas.openxmlformats.org/presentationml/2006/main">
+  <p:cSld>
+    <p:spTree>
+      <p:nvGrpSpPr>
+        <p:cNvPr id="1" name=""/>
+        <p:cNvGrpSpPr/>
+        <p:nvPr/>
+      </p:nvGrpSpPr>
+      <p:grpSpPr>
+        <a:xfrm>
+          <a:off x="0" y="0"/>
+          <a:ext cx="0" cy="0"/>
+          <a:chOff x="0" y="0"/>
+          <a:chExt cx="0" cy="0"/>
+        </a:xfrm>
+      </p:grpSpPr>
+      <p:sp>
+        <p:nvSpPr>
+          <p:cNvPr id="5" name="TextBox 4">
+            <a:extLst>
+              <a:ext uri="{FF2B5EF4-FFF2-40B4-BE49-F238E27FC236}">
+                <a16:creationId xmlns:a16="http://schemas.microsoft.com/office/drawing/2014/main" id="{A5898BCB-DA7A-45AD-9606-1D350F47E344}"/>
+              </a:ext>
+            </a:extLst>
+          </p:cNvPr>
+          <p:cNvSpPr txBox="1"/>
+          <p:nvPr/>
+        </p:nvSpPr>
+        <p:spPr>
+          <a:xfrm rot="16200000">
+            <a:off x="-813733" y="1307294"/>
+            <a:ext cx="2558644" cy="338554"/>
+          </a:xfrm>
+          <a:prstGeom prst="rect">
+            <a:avLst/>
+          </a:prstGeom>
+          <a:noFill/>
+        </p:spPr>
+        <p:txBody>
+          <a:bodyPr wrap="square" rtlCol="0">
+            <a:spAutoFit/>
+          </a:bodyPr>
+          <a:lstStyle/>
+          <a:p>
+            <a:r>
+              <a:rPr lang="en-US" altLang="ko-KR" sz="1600" dirty="0">
+                <a:solidFill>
+                  <a:schemeClr val="bg1">
+                    <a:lumMod val="50000"/>
+                  </a:schemeClr>
+                </a:solidFill>
+                <a:latin typeface="나눔스퀘어라운드 ExtraBold" panose="020B0600000101010101" pitchFamily="50" charset="-127"/>
+                <a:ea typeface="나눔스퀘어라운드 ExtraBold" panose="020B0600000101010101" pitchFamily="50" charset="-127"/>
+              </a:rPr>
+              <a:t>J2KB</a:t>
+            </a:r>
+            <a:r>
+              <a:rPr lang="ko-KR" altLang="en-US" sz="1600" dirty="0" err="1">
+                <a:solidFill>
+                  <a:schemeClr val="bg1">
+                    <a:lumMod val="50000"/>
+                  </a:schemeClr>
+                </a:solidFill>
+                <a:latin typeface="나눔스퀘어라운드 ExtraBold" panose="020B0600000101010101" pitchFamily="50" charset="-127"/>
+                <a:ea typeface="나눔스퀘어라운드 ExtraBold" panose="020B0600000101010101" pitchFamily="50" charset="-127"/>
+              </a:rPr>
+              <a:t>포니콘</a:t>
+            </a:r>
+            <a:r>
+              <a:rPr lang="en-US" altLang="ko-KR" sz="1600" dirty="0">
+                <a:solidFill>
+                  <a:schemeClr val="bg1">
+                    <a:lumMod val="50000"/>
+                  </a:schemeClr>
+                </a:solidFill>
+                <a:latin typeface="나눔스퀘어라운드 ExtraBold" panose="020B0600000101010101" pitchFamily="50" charset="-127"/>
+                <a:ea typeface="나눔스퀘어라운드 ExtraBold" panose="020B0600000101010101" pitchFamily="50" charset="-127"/>
+              </a:rPr>
+              <a:t>_</a:t>
+            </a:r>
+            <a:r>
+              <a:rPr lang="ko-KR" altLang="en-US" sz="1600" dirty="0" err="1">
+                <a:solidFill>
+                  <a:schemeClr val="bg1">
+                    <a:lumMod val="50000"/>
+                  </a:schemeClr>
+                </a:solidFill>
+                <a:latin typeface="나눔스퀘어라운드 ExtraBold" panose="020B0600000101010101" pitchFamily="50" charset="-127"/>
+                <a:ea typeface="나눔스퀘어라운드 ExtraBold" panose="020B0600000101010101" pitchFamily="50" charset="-127"/>
+              </a:rPr>
+              <a:t>이날뭐입지</a:t>
+            </a:r>
+            <a:endParaRPr lang="ko-KR" altLang="en-US" sz="1600" dirty="0">
+              <a:solidFill>
+                <a:schemeClr val="bg1">
+                  <a:lumMod val="50000"/>
+                </a:schemeClr>
+              </a:solidFill>
+              <a:latin typeface="나눔스퀘어라운드 ExtraBold" panose="020B0600000101010101" pitchFamily="50" charset="-127"/>
+              <a:ea typeface="나눔스퀘어라운드 ExtraBold" panose="020B0600000101010101" pitchFamily="50" charset="-127"/>
+            </a:endParaRPr>
+          </a:p>
+        </p:txBody>
+      </p:sp>
+      <p:sp>
+        <p:nvSpPr>
+          <p:cNvPr id="7" name="TextBox 6">
+            <a:extLst>
+              <a:ext uri="{FF2B5EF4-FFF2-40B4-BE49-F238E27FC236}">
+                <a16:creationId xmlns:a16="http://schemas.microsoft.com/office/drawing/2014/main" id="{B6C2C019-E920-43F5-A89E-C2C87AE3DA4C}"/>
+              </a:ext>
+            </a:extLst>
+          </p:cNvPr>
+          <p:cNvSpPr txBox="1"/>
+          <p:nvPr/>
+        </p:nvSpPr>
+        <p:spPr>
+          <a:xfrm rot="5400000">
+            <a:off x="10428913" y="5251517"/>
+            <a:ext cx="2558644" cy="338554"/>
+          </a:xfrm>
+          <a:prstGeom prst="rect">
+            <a:avLst/>
+          </a:prstGeom>
+          <a:noFill/>
+        </p:spPr>
+        <p:txBody>
+          <a:bodyPr wrap="square" rtlCol="0">
+            <a:spAutoFit/>
+          </a:bodyPr>
+          <a:lstStyle/>
+          <a:p>
+            <a:r>
+              <a:rPr lang="en-US" altLang="ko-KR" sz="1600" dirty="0">
+                <a:solidFill>
+                  <a:schemeClr val="bg1">
+                    <a:lumMod val="50000"/>
+                  </a:schemeClr>
+                </a:solidFill>
+                <a:latin typeface="나눔스퀘어라운드 ExtraBold" panose="020B0600000101010101" pitchFamily="50" charset="-127"/>
+                <a:ea typeface="나눔스퀘어라운드 ExtraBold" panose="020B0600000101010101" pitchFamily="50" charset="-127"/>
+              </a:rPr>
+              <a:t>J2KB</a:t>
+            </a:r>
+            <a:r>
+              <a:rPr lang="ko-KR" altLang="en-US" sz="1600" dirty="0" err="1">
+                <a:solidFill>
+                  <a:schemeClr val="bg1">
+                    <a:lumMod val="50000"/>
+                  </a:schemeClr>
+                </a:solidFill>
+                <a:latin typeface="나눔스퀘어라운드 ExtraBold" panose="020B0600000101010101" pitchFamily="50" charset="-127"/>
+                <a:ea typeface="나눔스퀘어라운드 ExtraBold" panose="020B0600000101010101" pitchFamily="50" charset="-127"/>
+              </a:rPr>
+              <a:t>포니콘</a:t>
+            </a:r>
+            <a:r>
+              <a:rPr lang="en-US" altLang="ko-KR" sz="1600" dirty="0">
+                <a:solidFill>
+                  <a:schemeClr val="bg1">
+                    <a:lumMod val="50000"/>
+                  </a:schemeClr>
+                </a:solidFill>
+                <a:latin typeface="나눔스퀘어라운드 ExtraBold" panose="020B0600000101010101" pitchFamily="50" charset="-127"/>
+                <a:ea typeface="나눔스퀘어라운드 ExtraBold" panose="020B0600000101010101" pitchFamily="50" charset="-127"/>
+              </a:rPr>
+              <a:t>_</a:t>
+            </a:r>
+            <a:r>
+              <a:rPr lang="ko-KR" altLang="en-US" sz="1600" dirty="0" err="1">
+                <a:solidFill>
+                  <a:schemeClr val="bg1">
+                    <a:lumMod val="50000"/>
+                  </a:schemeClr>
+                </a:solidFill>
+                <a:latin typeface="나눔스퀘어라운드 ExtraBold" panose="020B0600000101010101" pitchFamily="50" charset="-127"/>
+                <a:ea typeface="나눔스퀘어라운드 ExtraBold" panose="020B0600000101010101" pitchFamily="50" charset="-127"/>
+              </a:rPr>
+              <a:t>이날뭐입지</a:t>
+            </a:r>
+            <a:endParaRPr lang="ko-KR" altLang="en-US" sz="1600" dirty="0">
+              <a:solidFill>
+                <a:schemeClr val="bg1">
+                  <a:lumMod val="50000"/>
+                </a:schemeClr>
+              </a:solidFill>
+              <a:latin typeface="나눔스퀘어라운드 ExtraBold" panose="020B0600000101010101" pitchFamily="50" charset="-127"/>
+              <a:ea typeface="나눔스퀘어라운드 ExtraBold" panose="020B0600000101010101" pitchFamily="50" charset="-127"/>
+            </a:endParaRPr>
+          </a:p>
+        </p:txBody>
+      </p:sp>
+      <p:cxnSp>
+        <p:nvCxnSpPr>
+          <p:cNvPr id="6" name="직선 연결선 5">
+            <a:extLst>
+              <a:ext uri="{FF2B5EF4-FFF2-40B4-BE49-F238E27FC236}">
+                <a16:creationId xmlns:a16="http://schemas.microsoft.com/office/drawing/2014/main" id="{43EB4F03-A758-4154-AA82-6E475C6D606F}"/>
+              </a:ext>
+            </a:extLst>
+          </p:cNvPr>
+          <p:cNvCxnSpPr>
+            <a:cxnSpLocks/>
+          </p:cNvCxnSpPr>
+          <p:nvPr/>
+        </p:nvCxnSpPr>
+        <p:spPr>
+          <a:xfrm>
+            <a:off x="989901" y="1332396"/>
+            <a:ext cx="5251508" cy="0"/>
+          </a:xfrm>
+          <a:prstGeom prst="line">
+            <a:avLst/>
+          </a:prstGeom>
+        </p:spPr>
+        <p:style>
+          <a:lnRef idx="1">
+            <a:schemeClr val="accent1"/>
+          </a:lnRef>
+          <a:fillRef idx="0">
+            <a:schemeClr val="accent1"/>
+          </a:fillRef>
+          <a:effectRef idx="0">
+            <a:schemeClr val="accent1"/>
+          </a:effectRef>
+          <a:fontRef idx="minor">
+            <a:schemeClr val="tx1"/>
+          </a:fontRef>
+        </p:style>
+      </p:cxnSp>
+      <p:sp>
+        <p:nvSpPr>
+          <p:cNvPr id="2" name="TextBox 1">
+            <a:extLst>
+              <a:ext uri="{FF2B5EF4-FFF2-40B4-BE49-F238E27FC236}">
+                <a16:creationId xmlns:a16="http://schemas.microsoft.com/office/drawing/2014/main" id="{7729B4F4-873A-4C70-9B3F-8FAEA02ED622}"/>
+              </a:ext>
+            </a:extLst>
+          </p:cNvPr>
+          <p:cNvSpPr txBox="1"/>
+          <p:nvPr/>
+        </p:nvSpPr>
+        <p:spPr>
+          <a:xfrm>
+            <a:off x="989901" y="686065"/>
+            <a:ext cx="5251508" cy="646331"/>
+          </a:xfrm>
+          <a:prstGeom prst="rect">
+            <a:avLst/>
+          </a:prstGeom>
+          <a:noFill/>
+        </p:spPr>
+        <p:txBody>
+          <a:bodyPr wrap="square" rtlCol="0">
+            <a:spAutoFit/>
+          </a:bodyPr>
+          <a:lstStyle/>
+          <a:p>
+            <a:r>
               <a:rPr lang="ko-KR" altLang="en-US" sz="3600">
                 <a:latin typeface="나눔스퀘어라운드 ExtraBold" panose="020B0600000101010101" pitchFamily="50" charset="-127"/>
                 <a:ea typeface="나눔스퀘어라운드 ExtraBold" panose="020B0600000101010101" pitchFamily="50" charset="-127"/>
@@ -6299,6 +7220,10 @@
               </a:lnSpc>
             </a:pPr>
             <a:r>
+              <a:rPr lang="en-US" altLang="ko-KR" sz="1600" dirty="0"/>
+              <a:t>1. </a:t>
+            </a:r>
+            <a:r>
               <a:rPr lang="ko-KR" altLang="en-US" sz="1600" dirty="0"/>
               <a:t>로그인</a:t>
             </a:r>
@@ -6308,7 +7233,15 @@
             </a:r>
             <a:r>
               <a:rPr lang="ko-KR" altLang="en-US" sz="1600" dirty="0"/>
-              <a:t>로그아웃</a:t>
+              <a:t>로그아웃 </a:t>
+            </a:r>
+            <a:r>
+              <a:rPr lang="en-US" altLang="ko-KR" sz="1600" dirty="0"/>
+              <a:t>/ </a:t>
+            </a:r>
+            <a:r>
+              <a:rPr lang="ko-KR" altLang="en-US" sz="1600" dirty="0"/>
+              <a:t>회원가입</a:t>
             </a:r>
             <a:endParaRPr lang="en-US" altLang="ko-KR" sz="1600" dirty="0"/>
           </a:p>
@@ -6319,6 +7252,10 @@
               </a:lnSpc>
             </a:pPr>
             <a:r>
+              <a:rPr lang="en-US" altLang="ko-KR" sz="1600" dirty="0"/>
+              <a:t>2. </a:t>
+            </a:r>
+            <a:r>
               <a:rPr lang="ko-KR" altLang="en-US" sz="1600" dirty="0"/>
               <a:t>리뷰</a:t>
             </a:r>
@@ -6331,98 +7268,25 @@
               </a:lnSpc>
             </a:pPr>
             <a:r>
-              <a:rPr lang="ko-KR" altLang="en-US" sz="1600" dirty="0" err="1">
-                <a:solidFill>
-                  <a:schemeClr val="accent1">
-                    <a:lumMod val="60000"/>
-                    <a:lumOff val="40000"/>
-                  </a:schemeClr>
-                </a:solidFill>
-              </a:rPr>
+              <a:rPr lang="en-US" altLang="ko-KR" sz="1600" dirty="0"/>
+              <a:t>3. </a:t>
+            </a:r>
+            <a:r>
+              <a:rPr lang="ko-KR" altLang="en-US" sz="1600" dirty="0" err="1"/>
               <a:t>코디된</a:t>
             </a:r>
             <a:r>
-              <a:rPr lang="ko-KR" altLang="en-US" sz="1600" dirty="0">
-                <a:solidFill>
-                  <a:schemeClr val="accent1">
-                    <a:lumMod val="60000"/>
-                    <a:lumOff val="40000"/>
-                  </a:schemeClr>
-                </a:solidFill>
-              </a:rPr>
-              <a:t> 옷</a:t>
-            </a:r>
-            <a:endParaRPr lang="en-US" altLang="ko-KR" sz="1600" dirty="0">
-              <a:solidFill>
-                <a:schemeClr val="accent1">
-                  <a:lumMod val="60000"/>
-                  <a:lumOff val="40000"/>
-                </a:schemeClr>
-              </a:solidFill>
-            </a:endParaRPr>
-          </a:p>
-          <a:p>
-            <a:pPr>
-              <a:lnSpc>
-                <a:spcPct val="150000"/>
-              </a:lnSpc>
-            </a:pPr>
-            <a:r>
-              <a:rPr lang="en-US" altLang="ko-KR" sz="1600" dirty="0"/>
-              <a:t>	</a:t>
-            </a:r>
-            <a:r>
-              <a:rPr lang="en-US" altLang="ko-KR" sz="1600" dirty="0">
-                <a:solidFill>
-                  <a:schemeClr val="accent1">
-                    <a:lumMod val="60000"/>
-                    <a:lumOff val="40000"/>
-                  </a:schemeClr>
-                </a:solidFill>
-              </a:rPr>
-              <a:t>-&gt;</a:t>
-            </a:r>
-            <a:r>
-              <a:rPr lang="ko-KR" altLang="en-US" sz="1600" dirty="0">
-                <a:solidFill>
-                  <a:schemeClr val="accent1">
-                    <a:lumMod val="60000"/>
-                    <a:lumOff val="40000"/>
-                  </a:schemeClr>
-                </a:solidFill>
-              </a:rPr>
-              <a:t>부가 설명 적어야 </a:t>
-            </a:r>
-            <a:r>
-              <a:rPr lang="ko-KR" altLang="en-US" sz="1600" dirty="0" err="1">
-                <a:solidFill>
-                  <a:schemeClr val="accent1">
-                    <a:lumMod val="60000"/>
-                    <a:lumOff val="40000"/>
-                  </a:schemeClr>
-                </a:solidFill>
-              </a:rPr>
-              <a:t>될듯해요</a:t>
-            </a:r>
-            <a:r>
-              <a:rPr lang="en-US" altLang="ko-KR" sz="1600" dirty="0">
-                <a:solidFill>
-                  <a:schemeClr val="accent1">
-                    <a:lumMod val="60000"/>
-                    <a:lumOff val="40000"/>
-                  </a:schemeClr>
-                </a:solidFill>
-              </a:rPr>
-              <a:t>.</a:t>
-            </a:r>
-            <a:endParaRPr lang="ko-KR" altLang="en-US" sz="1600" dirty="0">
-              <a:solidFill>
-                <a:schemeClr val="accent1">
-                  <a:lumMod val="60000"/>
-                  <a:lumOff val="40000"/>
-                </a:schemeClr>
-              </a:solidFill>
-            </a:endParaRPr>
+              <a:rPr lang="ko-KR" altLang="en-US" sz="1600" dirty="0"/>
+              <a:t> 옷 위에 반응성 버튼을 만들어 해당 버튼 </a:t>
+            </a:r>
+            <a:r>
+              <a:rPr lang="ko-KR" altLang="en-US" sz="1600" dirty="0" err="1"/>
+              <a:t>클릭시</a:t>
+            </a:r>
+            <a:r>
+              <a:rPr lang="ko-KR" altLang="en-US" sz="1600" dirty="0"/>
+              <a:t> 바로 제품 상세페이지로 넘어갈 수 있게 만들기</a:t>
+            </a:r>
           </a:p>
         </p:txBody>
       </p:sp>

--- a/이날뭐입지_중간발표.pptx
+++ b/이날뭐입지_중간발표.pptx
@@ -4348,6 +4348,40 @@
               <a:rPr lang="en-US" altLang="ko-KR" sz="1600" dirty="0"/>
               <a:t>: </a:t>
             </a:r>
+            <a:r>
+              <a:rPr lang="en-US" altLang="ko-KR" sz="1600" i="1" dirty="0">
+                <a:solidFill>
+                  <a:schemeClr val="accent1">
+                    <a:lumMod val="60000"/>
+                    <a:lumOff val="40000"/>
+                  </a:schemeClr>
+                </a:solidFill>
+              </a:rPr>
+              <a:t>~~</a:t>
+            </a:r>
+            <a:r>
+              <a:rPr lang="ko-KR" altLang="en-US" sz="1600" i="1" dirty="0">
+                <a:solidFill>
+                  <a:schemeClr val="accent1">
+                    <a:lumMod val="60000"/>
+                    <a:lumOff val="40000"/>
+                  </a:schemeClr>
+                </a:solidFill>
+              </a:rPr>
+              <a:t>싶어서</a:t>
+            </a:r>
+            <a:r>
+              <a:rPr lang="en-US" altLang="ko-KR" sz="1600" dirty="0">
+                <a:solidFill>
+                  <a:schemeClr val="accent1">
+                    <a:lumMod val="60000"/>
+                    <a:lumOff val="40000"/>
+                  </a:schemeClr>
+                </a:solidFill>
+              </a:rPr>
+              <a:t>,</a:t>
+            </a:r>
+            <a:endParaRPr lang="en-US" altLang="ko-KR" sz="1600" dirty="0"/>
           </a:p>
           <a:p>
             <a:pPr>
@@ -4743,7 +4777,7 @@
         <p:spPr>
           <a:xfrm>
             <a:off x="1440109" y="1770077"/>
-            <a:ext cx="8953851" cy="2722348"/>
+            <a:ext cx="8953851" cy="2353016"/>
           </a:xfrm>
           <a:prstGeom prst="rect">
             <a:avLst/>
@@ -4785,9 +4819,72 @@
               <a:rPr lang="en-US" altLang="ko-KR" sz="1600" dirty="0"/>
               <a:t>.</a:t>
             </a:r>
+          </a:p>
+          <a:p>
+            <a:pPr>
+              <a:lnSpc>
+                <a:spcPct val="150000"/>
+              </a:lnSpc>
+            </a:pPr>
+            <a:r>
+              <a:rPr lang="en-US" altLang="ko-KR" sz="1600" dirty="0"/>
+              <a:t>	</a:t>
+            </a:r>
+            <a:r>
+              <a:rPr lang="ko-KR" altLang="en-US" sz="1600" dirty="0" err="1"/>
+              <a:t>코디된</a:t>
+            </a:r>
             <a:r>
               <a:rPr lang="ko-KR" altLang="en-US" sz="1600" dirty="0"/>
-              <a:t> 사진에서 바로 원하는 제품 </a:t>
+              <a:t> 상품이 주력이 되는 세션이 있는 쇼핑몰 만들기</a:t>
+            </a:r>
+            <a:r>
+              <a:rPr lang="en-US" altLang="ko-KR" sz="1600" dirty="0"/>
+              <a:t>.</a:t>
+            </a:r>
+            <a:r>
+              <a:rPr lang="ko-KR" altLang="en-US" sz="1600" dirty="0"/>
+              <a:t> </a:t>
+            </a:r>
+            <a:endParaRPr lang="en-US" altLang="ko-KR" sz="1600" dirty="0"/>
+          </a:p>
+          <a:p>
+            <a:pPr>
+              <a:lnSpc>
+                <a:spcPct val="150000"/>
+              </a:lnSpc>
+            </a:pPr>
+            <a:r>
+              <a:rPr lang="ko-KR" altLang="en-US" b="1" dirty="0"/>
+              <a:t>개발 목표</a:t>
+            </a:r>
+            <a:endParaRPr lang="en-US" altLang="ko-KR" b="1" dirty="0"/>
+          </a:p>
+          <a:p>
+            <a:pPr>
+              <a:lnSpc>
+                <a:spcPct val="150000"/>
+              </a:lnSpc>
+            </a:pPr>
+            <a:r>
+              <a:rPr lang="en-US" altLang="ko-KR" sz="1600" dirty="0"/>
+              <a:t>	</a:t>
+            </a:r>
+            <a:r>
+              <a:rPr lang="ko-KR" altLang="en-US" sz="1600" dirty="0" err="1"/>
+              <a:t>코디된</a:t>
+            </a:r>
+            <a:r>
+              <a:rPr lang="ko-KR" altLang="en-US" sz="1600" dirty="0"/>
+              <a:t> 사진에서</a:t>
+            </a:r>
+            <a:r>
+              <a:rPr lang="en-US" altLang="ko-KR" sz="1600" dirty="0"/>
+              <a:t>,</a:t>
+            </a:r>
+            <a:r>
+              <a:rPr lang="ko-KR" altLang="en-US" sz="1600" dirty="0"/>
+              <a:t> 원하는 제품 </a:t>
             </a:r>
             <a:r>
               <a:rPr lang="ko-KR" altLang="en-US" sz="1600" dirty="0" err="1"/>
@@ -4795,7 +4892,11 @@
             </a:r>
             <a:r>
               <a:rPr lang="ko-KR" altLang="en-US" sz="1600" dirty="0"/>
-              <a:t> 해당 상세페이</a:t>
+              <a:t> 바로 해당 페이지로 넘어갈 수 있는 </a:t>
+            </a:r>
+            <a:r>
+              <a:rPr lang="ko-KR" altLang="en-US" sz="1600" dirty="0" err="1"/>
+              <a:t>상태까</a:t>
             </a:r>
             <a:r>
               <a:rPr lang="en-US" altLang="ko-KR" sz="1600" dirty="0"/>
@@ -4803,7 +4904,7 @@
             </a:r>
             <a:r>
               <a:rPr lang="ko-KR" altLang="en-US" sz="1600" dirty="0"/>
-              <a:t>지로 넘어갈 수 있는 쇼핑몰</a:t>
+              <a:t>지 구현해보기</a:t>
             </a:r>
             <a:r>
               <a:rPr lang="en-US" altLang="ko-KR" sz="1600" dirty="0"/>
@@ -4817,103 +4918,6 @@
                 </a:schemeClr>
               </a:solidFill>
             </a:endParaRPr>
-          </a:p>
-          <a:p>
-            <a:pPr>
-              <a:lnSpc>
-                <a:spcPct val="150000"/>
-              </a:lnSpc>
-            </a:pPr>
-            <a:endParaRPr lang="en-US" altLang="ko-KR" sz="1600" dirty="0"/>
-          </a:p>
-          <a:p>
-            <a:pPr>
-              <a:lnSpc>
-                <a:spcPct val="150000"/>
-              </a:lnSpc>
-            </a:pPr>
-            <a:r>
-              <a:rPr lang="ko-KR" altLang="en-US" b="1" dirty="0"/>
-              <a:t>개발 목표</a:t>
-            </a:r>
-            <a:endParaRPr lang="en-US" altLang="ko-KR" b="1" dirty="0"/>
-          </a:p>
-          <a:p>
-            <a:pPr>
-              <a:lnSpc>
-                <a:spcPct val="150000"/>
-              </a:lnSpc>
-            </a:pPr>
-            <a:r>
-              <a:rPr lang="en-US" altLang="ko-KR" sz="1600" dirty="0"/>
-              <a:t>	</a:t>
-            </a:r>
-            <a:r>
-              <a:rPr lang="ko-KR" altLang="en-US" sz="1600" dirty="0">
-                <a:solidFill>
-                  <a:schemeClr val="accent1">
-                    <a:lumMod val="60000"/>
-                    <a:lumOff val="40000"/>
-                  </a:schemeClr>
-                </a:solidFill>
-              </a:rPr>
-              <a:t>개발 목표는 변함없이 실행만 되라</a:t>
-            </a:r>
-            <a:r>
-              <a:rPr lang="en-US" altLang="ko-KR" sz="1600" dirty="0">
-                <a:solidFill>
-                  <a:schemeClr val="accent1">
-                    <a:lumMod val="60000"/>
-                    <a:lumOff val="40000"/>
-                  </a:schemeClr>
-                </a:solidFill>
-              </a:rPr>
-              <a:t> </a:t>
-            </a:r>
-            <a:r>
-              <a:rPr lang="ko-KR" altLang="en-US" sz="1600" dirty="0">
-                <a:solidFill>
-                  <a:schemeClr val="accent1">
-                    <a:lumMod val="60000"/>
-                    <a:lumOff val="40000"/>
-                  </a:schemeClr>
-                </a:solidFill>
-              </a:rPr>
-              <a:t>인가요</a:t>
-            </a:r>
-            <a:r>
-              <a:rPr lang="en-US" altLang="ko-KR" sz="1600" dirty="0">
-                <a:solidFill>
-                  <a:schemeClr val="accent1">
-                    <a:lumMod val="60000"/>
-                    <a:lumOff val="40000"/>
-                  </a:schemeClr>
-                </a:solidFill>
-              </a:rPr>
-              <a:t>? </a:t>
-            </a:r>
-            <a:r>
-              <a:rPr lang="ko-KR" altLang="en-US" sz="1600" dirty="0">
-                <a:solidFill>
-                  <a:schemeClr val="accent1">
-                    <a:lumMod val="60000"/>
-                    <a:lumOff val="40000"/>
-                  </a:schemeClr>
-                </a:solidFill>
-              </a:rPr>
-              <a:t>개인적인 개발 목표도 함께 적어줘도 괜찮을 것 같아요</a:t>
-            </a:r>
-            <a:r>
-              <a:rPr lang="en-US" altLang="ko-KR" sz="1600" dirty="0">
-                <a:solidFill>
-                  <a:schemeClr val="accent1">
-                    <a:lumMod val="60000"/>
-                    <a:lumOff val="40000"/>
-                  </a:schemeClr>
-                </a:solidFill>
-              </a:rPr>
-              <a:t>.</a:t>
-            </a:r>
           </a:p>
         </p:txBody>
       </p:sp>
@@ -5421,101 +5425,6 @@
           </a:prstGeom>
         </p:spPr>
       </p:pic>
-      <p:sp>
-        <p:nvSpPr>
-          <p:cNvPr id="10" name="TextBox 9">
-            <a:extLst>
-              <a:ext uri="{FF2B5EF4-FFF2-40B4-BE49-F238E27FC236}">
-                <a16:creationId xmlns:a16="http://schemas.microsoft.com/office/drawing/2014/main" id="{46DE2AED-E5DB-43E9-9E47-17A1CE809D71}"/>
-              </a:ext>
-            </a:extLst>
-          </p:cNvPr>
-          <p:cNvSpPr txBox="1"/>
-          <p:nvPr/>
-        </p:nvSpPr>
-        <p:spPr>
-          <a:xfrm>
-            <a:off x="8494588" y="3429000"/>
-            <a:ext cx="1614146" cy="1200329"/>
-          </a:xfrm>
-          <a:prstGeom prst="rect">
-            <a:avLst/>
-          </a:prstGeom>
-          <a:noFill/>
-        </p:spPr>
-        <p:txBody>
-          <a:bodyPr wrap="square" rtlCol="0">
-            <a:spAutoFit/>
-          </a:bodyPr>
-          <a:lstStyle/>
-          <a:p>
-            <a:r>
-              <a:rPr lang="ko-KR" altLang="en-US" i="1" dirty="0"/>
-              <a:t>이미지는 옆이 심심해서 </a:t>
-            </a:r>
-            <a:r>
-              <a:rPr lang="ko-KR" altLang="en-US" i="1" dirty="0" err="1"/>
-              <a:t>넣어본거라</a:t>
-            </a:r>
-            <a:r>
-              <a:rPr lang="ko-KR" altLang="en-US" i="1" dirty="0"/>
-              <a:t> 빼도 됩니다</a:t>
-            </a:r>
-          </a:p>
-        </p:txBody>
-      </p:sp>
-      <p:sp>
-        <p:nvSpPr>
-          <p:cNvPr id="11" name="TextBox 10">
-            <a:extLst>
-              <a:ext uri="{FF2B5EF4-FFF2-40B4-BE49-F238E27FC236}">
-                <a16:creationId xmlns:a16="http://schemas.microsoft.com/office/drawing/2014/main" id="{282BA858-5489-477E-884F-CBB33E0C2FFC}"/>
-              </a:ext>
-            </a:extLst>
-          </p:cNvPr>
-          <p:cNvSpPr txBox="1"/>
-          <p:nvPr/>
-        </p:nvSpPr>
-        <p:spPr>
-          <a:xfrm>
-            <a:off x="1798040" y="5409383"/>
-            <a:ext cx="1532389" cy="923330"/>
-          </a:xfrm>
-          <a:prstGeom prst="rect">
-            <a:avLst/>
-          </a:prstGeom>
-          <a:noFill/>
-        </p:spPr>
-        <p:txBody>
-          <a:bodyPr wrap="square" rtlCol="0">
-            <a:spAutoFit/>
-          </a:bodyPr>
-          <a:lstStyle/>
-          <a:p>
-            <a:r>
-              <a:rPr lang="ko-KR" altLang="en-US" i="1" dirty="0" err="1"/>
-              <a:t>버전관리툴이</a:t>
-            </a:r>
-            <a:r>
-              <a:rPr lang="ko-KR" altLang="en-US" i="1" dirty="0"/>
-              <a:t> </a:t>
-            </a:r>
-            <a:r>
-              <a:rPr lang="ko-KR" altLang="en-US" i="1" dirty="0" err="1"/>
-              <a:t>깃허브</a:t>
-            </a:r>
-            <a:r>
-              <a:rPr lang="ko-KR" altLang="en-US" i="1" dirty="0"/>
-              <a:t> 맞을까요</a:t>
-            </a:r>
-            <a:r>
-              <a:rPr lang="en-US" altLang="ko-KR" i="1" dirty="0"/>
-              <a:t>?</a:t>
-            </a:r>
-            <a:endParaRPr lang="ko-KR" altLang="en-US" i="1" dirty="0"/>
-          </a:p>
-        </p:txBody>
-      </p:sp>
     </p:spTree>
     <p:extLst>
       <p:ext uri="{BB962C8B-B14F-4D97-AF65-F5344CB8AC3E}">
@@ -5820,8 +5729,8 @@
         </p:blipFill>
         <p:spPr>
           <a:xfrm>
-            <a:off x="1244367" y="1828937"/>
-            <a:ext cx="4681881" cy="2312528"/>
+            <a:off x="1244368" y="1828937"/>
+            <a:ext cx="4183310" cy="2066268"/>
           </a:xfrm>
           <a:prstGeom prst="rect">
             <a:avLst/>
@@ -5850,7 +5759,7 @@
         </p:blipFill>
         <p:spPr>
           <a:xfrm>
-            <a:off x="6596443" y="1058202"/>
+            <a:off x="6596443" y="809942"/>
             <a:ext cx="3112268" cy="3085263"/>
           </a:xfrm>
           <a:prstGeom prst="rect">
@@ -5872,8 +5781,8 @@
         </p:nvSpPr>
         <p:spPr>
           <a:xfrm>
-            <a:off x="1476462" y="4991450"/>
-            <a:ext cx="2139193" cy="369332"/>
+            <a:off x="3739787" y="4148538"/>
+            <a:ext cx="2139193" cy="338554"/>
           </a:xfrm>
           <a:prstGeom prst="rect">
             <a:avLst/>
@@ -5887,7 +5796,7 @@
           <a:lstStyle/>
           <a:p>
             <a:r>
-              <a:rPr lang="en-US" altLang="ko-KR" i="1" dirty="0">
+              <a:rPr lang="en-US" altLang="ko-KR" sz="1600" dirty="0">
                 <a:solidFill>
                   <a:schemeClr val="accent1">
                     <a:lumMod val="60000"/>
@@ -5898,7 +5807,7 @@
               <a:t>Top </a:t>
             </a:r>
             <a:r>
-              <a:rPr lang="ko-KR" altLang="en-US" i="1" dirty="0">
+              <a:rPr lang="ko-KR" altLang="en-US" sz="1600" dirty="0">
                 <a:solidFill>
                   <a:schemeClr val="accent1">
                     <a:lumMod val="60000"/>
@@ -5925,8 +5834,8 @@
         </p:nvSpPr>
         <p:spPr>
           <a:xfrm>
-            <a:off x="6096000" y="4991450"/>
-            <a:ext cx="1881930" cy="369332"/>
+            <a:off x="5403119" y="4141472"/>
+            <a:ext cx="1881930" cy="338554"/>
           </a:xfrm>
           <a:prstGeom prst="rect">
             <a:avLst/>
@@ -5940,7 +5849,7 @@
           <a:lstStyle/>
           <a:p>
             <a:r>
-              <a:rPr lang="ko-KR" altLang="en-US" i="1" dirty="0">
+              <a:rPr lang="ko-KR" altLang="en-US" sz="1600" dirty="0">
                 <a:solidFill>
                   <a:schemeClr val="accent1">
                     <a:lumMod val="60000"/>
@@ -5953,6 +5862,300 @@
           </a:p>
         </p:txBody>
       </p:sp>
+      <p:sp>
+        <p:nvSpPr>
+          <p:cNvPr id="8" name="TextBox 7">
+            <a:extLst>
+              <a:ext uri="{FF2B5EF4-FFF2-40B4-BE49-F238E27FC236}">
+                <a16:creationId xmlns:a16="http://schemas.microsoft.com/office/drawing/2014/main" id="{423A84BD-CAAE-4D7F-901B-395F3EFCAAC3}"/>
+              </a:ext>
+            </a:extLst>
+          </p:cNvPr>
+          <p:cNvSpPr txBox="1"/>
+          <p:nvPr/>
+        </p:nvSpPr>
+        <p:spPr>
+          <a:xfrm>
+            <a:off x="1476462" y="4148538"/>
+            <a:ext cx="1585520" cy="338554"/>
+          </a:xfrm>
+          <a:prstGeom prst="rect">
+            <a:avLst/>
+          </a:prstGeom>
+          <a:noFill/>
+        </p:spPr>
+        <p:txBody>
+          <a:bodyPr wrap="square" rtlCol="0">
+            <a:spAutoFit/>
+          </a:bodyPr>
+          <a:lstStyle/>
+          <a:p>
+            <a:r>
+              <a:rPr lang="ko-KR" altLang="en-US" sz="1600" dirty="0"/>
+              <a:t>메인 페이지</a:t>
+            </a:r>
+            <a:r>
+              <a:rPr lang="en-US" altLang="ko-KR" sz="1600" dirty="0"/>
+              <a:t>1 </a:t>
+            </a:r>
+            <a:endParaRPr lang="ko-KR" altLang="en-US" sz="1600" dirty="0"/>
+          </a:p>
+        </p:txBody>
+      </p:sp>
+      <p:sp>
+        <p:nvSpPr>
+          <p:cNvPr id="11" name="TextBox 10">
+            <a:extLst>
+              <a:ext uri="{FF2B5EF4-FFF2-40B4-BE49-F238E27FC236}">
+                <a16:creationId xmlns:a16="http://schemas.microsoft.com/office/drawing/2014/main" id="{2120493D-256E-4E6F-B33B-CA22E7A4A89C}"/>
+              </a:ext>
+            </a:extLst>
+          </p:cNvPr>
+          <p:cNvSpPr txBox="1"/>
+          <p:nvPr/>
+        </p:nvSpPr>
+        <p:spPr>
+          <a:xfrm>
+            <a:off x="7875949" y="4141471"/>
+            <a:ext cx="2332140" cy="338554"/>
+          </a:xfrm>
+          <a:prstGeom prst="rect">
+            <a:avLst/>
+          </a:prstGeom>
+          <a:noFill/>
+        </p:spPr>
+        <p:txBody>
+          <a:bodyPr wrap="square" rtlCol="0">
+            <a:spAutoFit/>
+          </a:bodyPr>
+          <a:lstStyle/>
+          <a:p>
+            <a:r>
+              <a:rPr lang="ko-KR" altLang="en-US" sz="1600" dirty="0"/>
+              <a:t>메인 페이지</a:t>
+            </a:r>
+            <a:r>
+              <a:rPr lang="en-US" altLang="ko-KR" sz="1600" dirty="0"/>
+              <a:t>2</a:t>
+            </a:r>
+            <a:endParaRPr lang="ko-KR" altLang="en-US" sz="1600" dirty="0"/>
+          </a:p>
+        </p:txBody>
+      </p:sp>
+      <p:sp>
+        <p:nvSpPr>
+          <p:cNvPr id="9" name="TextBox 8">
+            <a:extLst>
+              <a:ext uri="{FF2B5EF4-FFF2-40B4-BE49-F238E27FC236}">
+                <a16:creationId xmlns:a16="http://schemas.microsoft.com/office/drawing/2014/main" id="{F38B9A51-9335-41B3-BBE2-9D31B490D1B9}"/>
+              </a:ext>
+            </a:extLst>
+          </p:cNvPr>
+          <p:cNvSpPr txBox="1"/>
+          <p:nvPr/>
+        </p:nvSpPr>
+        <p:spPr>
+          <a:xfrm>
+            <a:off x="9858987" y="3523376"/>
+            <a:ext cx="2028837" cy="523220"/>
+          </a:xfrm>
+          <a:prstGeom prst="rect">
+            <a:avLst/>
+          </a:prstGeom>
+          <a:noFill/>
+        </p:spPr>
+        <p:txBody>
+          <a:bodyPr wrap="square" rtlCol="0">
+            <a:spAutoFit/>
+          </a:bodyPr>
+          <a:lstStyle/>
+          <a:p>
+            <a:r>
+              <a:rPr lang="en-US" altLang="ko-KR" sz="1400" dirty="0"/>
+              <a:t>(</a:t>
+            </a:r>
+            <a:r>
+              <a:rPr lang="ko-KR" altLang="en-US" sz="1400" dirty="0"/>
+              <a:t>이미지는 타 쇼핑몰에서 가져왔습니다</a:t>
+            </a:r>
+            <a:r>
+              <a:rPr lang="en-US" altLang="ko-KR" sz="1400" dirty="0"/>
+              <a:t>.)</a:t>
+            </a:r>
+            <a:endParaRPr lang="ko-KR" altLang="en-US" sz="1400" dirty="0"/>
+          </a:p>
+        </p:txBody>
+      </p:sp>
+      <p:cxnSp>
+        <p:nvCxnSpPr>
+          <p:cNvPr id="14" name="연결선: 꺾임 13">
+            <a:extLst>
+              <a:ext uri="{FF2B5EF4-FFF2-40B4-BE49-F238E27FC236}">
+                <a16:creationId xmlns:a16="http://schemas.microsoft.com/office/drawing/2014/main" id="{9445CE28-4B20-4BBF-BE43-4994D4524CE3}"/>
+              </a:ext>
+            </a:extLst>
+          </p:cNvPr>
+          <p:cNvCxnSpPr>
+            <a:cxnSpLocks/>
+          </p:cNvCxnSpPr>
+          <p:nvPr/>
+        </p:nvCxnSpPr>
+        <p:spPr>
+          <a:xfrm flipV="1">
+            <a:off x="2899146" y="4178813"/>
+            <a:ext cx="176168" cy="176343"/>
+          </a:xfrm>
+          <a:prstGeom prst="bentConnector2">
+            <a:avLst/>
+          </a:prstGeom>
+          <a:ln>
+            <a:tailEnd type="triangle"/>
+          </a:ln>
+        </p:spPr>
+        <p:style>
+          <a:lnRef idx="1">
+            <a:schemeClr val="dk1"/>
+          </a:lnRef>
+          <a:fillRef idx="0">
+            <a:schemeClr val="dk1"/>
+          </a:fillRef>
+          <a:effectRef idx="0">
+            <a:schemeClr val="dk1"/>
+          </a:effectRef>
+          <a:fontRef idx="minor">
+            <a:schemeClr val="tx1"/>
+          </a:fontRef>
+        </p:style>
+      </p:cxnSp>
+      <p:cxnSp>
+        <p:nvCxnSpPr>
+          <p:cNvPr id="16" name="연결선: 꺾임 15">
+            <a:extLst>
+              <a:ext uri="{FF2B5EF4-FFF2-40B4-BE49-F238E27FC236}">
+                <a16:creationId xmlns:a16="http://schemas.microsoft.com/office/drawing/2014/main" id="{B50D4A0E-6B3A-4DAD-AE98-687ECF9C22CF}"/>
+              </a:ext>
+            </a:extLst>
+          </p:cNvPr>
+          <p:cNvCxnSpPr>
+            <a:cxnSpLocks/>
+          </p:cNvCxnSpPr>
+          <p:nvPr/>
+        </p:nvCxnSpPr>
+        <p:spPr>
+          <a:xfrm rot="16200000" flipV="1">
+            <a:off x="7623310" y="4169305"/>
+            <a:ext cx="202781" cy="147113"/>
+          </a:xfrm>
+          <a:prstGeom prst="bentConnector3">
+            <a:avLst>
+              <a:gd name="adj1" fmla="val 357"/>
+            </a:avLst>
+          </a:prstGeom>
+          <a:ln>
+            <a:tailEnd type="triangle"/>
+          </a:ln>
+        </p:spPr>
+        <p:style>
+          <a:lnRef idx="1">
+            <a:schemeClr val="dk1"/>
+          </a:lnRef>
+          <a:fillRef idx="0">
+            <a:schemeClr val="dk1"/>
+          </a:fillRef>
+          <a:effectRef idx="0">
+            <a:schemeClr val="dk1"/>
+          </a:effectRef>
+          <a:fontRef idx="minor">
+            <a:schemeClr val="tx1"/>
+          </a:fontRef>
+        </p:style>
+      </p:cxnSp>
+      <p:cxnSp>
+        <p:nvCxnSpPr>
+          <p:cNvPr id="22" name="연결선: 꺾임 21">
+            <a:extLst>
+              <a:ext uri="{FF2B5EF4-FFF2-40B4-BE49-F238E27FC236}">
+                <a16:creationId xmlns:a16="http://schemas.microsoft.com/office/drawing/2014/main" id="{F02F9B2D-08BD-437C-8421-F3973555C59A}"/>
+              </a:ext>
+            </a:extLst>
+          </p:cNvPr>
+          <p:cNvCxnSpPr>
+            <a:cxnSpLocks/>
+          </p:cNvCxnSpPr>
+          <p:nvPr/>
+        </p:nvCxnSpPr>
+        <p:spPr>
+          <a:xfrm rot="5400000">
+            <a:off x="3527482" y="4303604"/>
+            <a:ext cx="176345" cy="111711"/>
+          </a:xfrm>
+          <a:prstGeom prst="bentConnector3">
+            <a:avLst>
+              <a:gd name="adj1" fmla="val -2328"/>
+            </a:avLst>
+          </a:prstGeom>
+          <a:ln>
+            <a:tailEnd type="triangle"/>
+          </a:ln>
+        </p:spPr>
+        <p:style>
+          <a:lnRef idx="1">
+            <a:schemeClr val="dk1"/>
+          </a:lnRef>
+          <a:fillRef idx="0">
+            <a:schemeClr val="dk1"/>
+          </a:fillRef>
+          <a:effectRef idx="0">
+            <a:schemeClr val="dk1"/>
+          </a:effectRef>
+          <a:fontRef idx="minor">
+            <a:schemeClr val="tx1"/>
+          </a:fontRef>
+        </p:style>
+      </p:cxnSp>
+      <p:cxnSp>
+        <p:nvCxnSpPr>
+          <p:cNvPr id="27" name="연결선: 꺾임 26">
+            <a:extLst>
+              <a:ext uri="{FF2B5EF4-FFF2-40B4-BE49-F238E27FC236}">
+                <a16:creationId xmlns:a16="http://schemas.microsoft.com/office/drawing/2014/main" id="{12099BF3-F5B9-4219-9AD1-19EB3C3EDF18}"/>
+              </a:ext>
+            </a:extLst>
+          </p:cNvPr>
+          <p:cNvCxnSpPr>
+            <a:cxnSpLocks/>
+          </p:cNvCxnSpPr>
+          <p:nvPr/>
+        </p:nvCxnSpPr>
+        <p:spPr>
+          <a:xfrm rot="16200000" flipH="1">
+            <a:off x="7035219" y="4299441"/>
+            <a:ext cx="220110" cy="155196"/>
+          </a:xfrm>
+          <a:prstGeom prst="bentConnector3">
+            <a:avLst>
+              <a:gd name="adj1" fmla="val 453"/>
+            </a:avLst>
+          </a:prstGeom>
+          <a:ln>
+            <a:tailEnd type="triangle"/>
+          </a:ln>
+        </p:spPr>
+        <p:style>
+          <a:lnRef idx="1">
+            <a:schemeClr val="dk1"/>
+          </a:lnRef>
+          <a:fillRef idx="0">
+            <a:schemeClr val="dk1"/>
+          </a:fillRef>
+          <a:effectRef idx="0">
+            <a:schemeClr val="dk1"/>
+          </a:effectRef>
+          <a:fontRef idx="minor">
+            <a:schemeClr val="tx1"/>
+          </a:fontRef>
+        </p:style>
+      </p:cxnSp>
     </p:spTree>
     <p:extLst>
       <p:ext uri="{BB962C8B-B14F-4D97-AF65-F5344CB8AC3E}">
@@ -6250,7 +6453,7 @@
         <p:spPr>
           <a:xfrm>
             <a:off x="2639735" y="5420794"/>
-            <a:ext cx="2203509" cy="369332"/>
+            <a:ext cx="2203509" cy="338554"/>
           </a:xfrm>
           <a:prstGeom prst="rect">
             <a:avLst/>
@@ -6264,14 +6467,14 @@
           <a:lstStyle/>
           <a:p>
             <a:r>
-              <a:rPr lang="ko-KR" altLang="en-US" dirty="0"/>
+              <a:rPr lang="ko-KR" altLang="en-US" sz="1600" dirty="0"/>
               <a:t>상품 상세페이지</a:t>
             </a:r>
             <a:r>
-              <a:rPr lang="en-US" altLang="ko-KR" dirty="0"/>
+              <a:rPr lang="en-US" altLang="ko-KR" sz="1600" dirty="0"/>
               <a:t>2</a:t>
             </a:r>
-            <a:endParaRPr lang="ko-KR" altLang="en-US" dirty="0"/>
+            <a:endParaRPr lang="ko-KR" altLang="en-US" sz="1600" dirty="0"/>
           </a:p>
         </p:txBody>
       </p:sp>
@@ -6320,7 +6523,7 @@
         <p:spPr>
           <a:xfrm>
             <a:off x="6947583" y="5420794"/>
-            <a:ext cx="2604682" cy="369332"/>
+            <a:ext cx="2604682" cy="338554"/>
           </a:xfrm>
           <a:prstGeom prst="rect">
             <a:avLst/>
@@ -6334,7 +6537,7 @@
           <a:lstStyle/>
           <a:p>
             <a:r>
-              <a:rPr lang="ko-KR" altLang="en-US" dirty="0"/>
+              <a:rPr lang="ko-KR" altLang="en-US" sz="1600" dirty="0"/>
               <a:t>현재 회원가입 구현중</a:t>
             </a:r>
           </a:p>
@@ -6680,7 +6883,7 @@
         <p:spPr>
           <a:xfrm>
             <a:off x="1440109" y="1770077"/>
-            <a:ext cx="8953851" cy="2399183"/>
+            <a:ext cx="8953851" cy="2768515"/>
           </a:xfrm>
           <a:prstGeom prst="rect">
             <a:avLst/>
@@ -6821,6 +7024,38 @@
               <a:rPr lang="ko-KR" altLang="en-US" b="1" dirty="0"/>
               <a:t>가나</a:t>
             </a:r>
+            <a:r>
+              <a:rPr lang="en-US" altLang="ko-KR" sz="1600" b="1" dirty="0"/>
+              <a:t>	</a:t>
+            </a:r>
+            <a:r>
+              <a:rPr lang="en-US" altLang="ko-KR" sz="1600" dirty="0"/>
+              <a:t>html, </a:t>
+            </a:r>
+            <a:r>
+              <a:rPr lang="en-US" altLang="ko-KR" sz="1600" dirty="0" err="1"/>
+              <a:t>css</a:t>
+            </a:r>
+            <a:r>
+              <a:rPr lang="en-US" altLang="ko-KR" sz="1600" dirty="0"/>
+              <a:t>, </a:t>
+            </a:r>
+            <a:r>
+              <a:rPr lang="en-US" altLang="ko-KR" sz="1600" dirty="0" err="1"/>
+              <a:t>javascript</a:t>
+            </a:r>
+            <a:r>
+              <a:rPr lang="ko-KR" altLang="en-US" sz="1600" dirty="0"/>
+              <a:t>로 필요한 페이지 만들기</a:t>
+            </a:r>
+            <a:endParaRPr lang="en-US" altLang="ko-KR" sz="1600" b="1" dirty="0"/>
+          </a:p>
+          <a:p>
+            <a:pPr>
+              <a:lnSpc>
+                <a:spcPct val="150000"/>
+              </a:lnSpc>
+            </a:pPr>
             <a:r>
               <a:rPr lang="en-US" altLang="ko-KR" sz="1600" b="1" dirty="0"/>
               <a:t>	</a:t>
